--- a/PPTs/Lecture 9-self balancing trees Exercises ANS.pptx
+++ b/PPTs/Lecture 9-self balancing trees Exercises ANS.pptx
@@ -25577,180 +25577,6 @@
   <p:clrMapOvr>
     <a:masterClrMapping/>
   </p:clrMapOvr>
-  <p:timing>
-    <p:tnLst>
-      <p:par>
-        <p:cTn id="1" dur="indefinite" restart="never" nodeType="tmRoot">
-          <p:childTnLst>
-            <p:seq concurrent="1" nextAc="seek">
-              <p:cTn id="2" dur="indefinite" nodeType="mainSeq">
-                <p:childTnLst>
-                  <p:par>
-                    <p:cTn id="3" fill="hold">
-                      <p:stCondLst>
-                        <p:cond delay="indefinite"/>
-                      </p:stCondLst>
-                      <p:childTnLst>
-                        <p:par>
-                          <p:cTn id="4" fill="hold">
-                            <p:stCondLst>
-                              <p:cond delay="0"/>
-                            </p:stCondLst>
-                            <p:childTnLst>
-                              <p:par>
-                                <p:cTn id="5" presetID="1" presetClass="entr" presetSubtype="0" fill="hold" nodeType="clickEffect">
-                                  <p:stCondLst>
-                                    <p:cond delay="0"/>
-                                  </p:stCondLst>
-                                  <p:childTnLst>
-                                    <p:set>
-                                      <p:cBhvr>
-                                        <p:cTn id="6" dur="1" fill="hold">
-                                          <p:stCondLst>
-                                            <p:cond delay="0"/>
-                                          </p:stCondLst>
-                                        </p:cTn>
-                                        <p:tgtEl>
-                                          <p:spTgt spid="120"/>
-                                        </p:tgtEl>
-                                        <p:attrNameLst>
-                                          <p:attrName>style.visibility</p:attrName>
-                                        </p:attrNameLst>
-                                      </p:cBhvr>
-                                      <p:to>
-                                        <p:strVal val="visible"/>
-                                      </p:to>
-                                    </p:set>
-                                  </p:childTnLst>
-                                </p:cTn>
-                              </p:par>
-                              <p:par>
-                                <p:cTn id="7" presetID="1" presetClass="entr" presetSubtype="0" fill="hold" nodeType="withEffect">
-                                  <p:stCondLst>
-                                    <p:cond delay="0"/>
-                                  </p:stCondLst>
-                                  <p:childTnLst>
-                                    <p:set>
-                                      <p:cBhvr>
-                                        <p:cTn id="8" dur="1" fill="hold">
-                                          <p:stCondLst>
-                                            <p:cond delay="0"/>
-                                          </p:stCondLst>
-                                        </p:cTn>
-                                        <p:tgtEl>
-                                          <p:spTgt spid="119"/>
-                                        </p:tgtEl>
-                                        <p:attrNameLst>
-                                          <p:attrName>style.visibility</p:attrName>
-                                        </p:attrNameLst>
-                                      </p:cBhvr>
-                                      <p:to>
-                                        <p:strVal val="visible"/>
-                                      </p:to>
-                                    </p:set>
-                                  </p:childTnLst>
-                                </p:cTn>
-                              </p:par>
-                            </p:childTnLst>
-                          </p:cTn>
-                        </p:par>
-                      </p:childTnLst>
-                    </p:cTn>
-                  </p:par>
-                  <p:par>
-                    <p:cTn id="9" fill="hold">
-                      <p:stCondLst>
-                        <p:cond delay="indefinite"/>
-                      </p:stCondLst>
-                      <p:childTnLst>
-                        <p:par>
-                          <p:cTn id="10" fill="hold">
-                            <p:stCondLst>
-                              <p:cond delay="0"/>
-                            </p:stCondLst>
-                            <p:childTnLst>
-                              <p:par>
-                                <p:cTn id="11" presetID="1" presetClass="entr" presetSubtype="0" fill="hold" nodeType="clickEffect">
-                                  <p:stCondLst>
-                                    <p:cond delay="0"/>
-                                  </p:stCondLst>
-                                  <p:childTnLst>
-                                    <p:set>
-                                      <p:cBhvr>
-                                        <p:cTn id="12" dur="1" fill="hold">
-                                          <p:stCondLst>
-                                            <p:cond delay="0"/>
-                                          </p:stCondLst>
-                                        </p:cTn>
-                                        <p:tgtEl>
-                                          <p:spTgt spid="152"/>
-                                        </p:tgtEl>
-                                        <p:attrNameLst>
-                                          <p:attrName>style.visibility</p:attrName>
-                                        </p:attrNameLst>
-                                      </p:cBhvr>
-                                      <p:to>
-                                        <p:strVal val="visible"/>
-                                      </p:to>
-                                    </p:set>
-                                  </p:childTnLst>
-                                </p:cTn>
-                              </p:par>
-                              <p:par>
-                                <p:cTn id="13" presetID="1" presetClass="entr" presetSubtype="0" fill="hold" nodeType="withEffect">
-                                  <p:stCondLst>
-                                    <p:cond delay="0"/>
-                                  </p:stCondLst>
-                                  <p:childTnLst>
-                                    <p:set>
-                                      <p:cBhvr>
-                                        <p:cTn id="14" dur="1" fill="hold">
-                                          <p:stCondLst>
-                                            <p:cond delay="0"/>
-                                          </p:stCondLst>
-                                        </p:cTn>
-                                        <p:tgtEl>
-                                          <p:spTgt spid="151"/>
-                                        </p:tgtEl>
-                                        <p:attrNameLst>
-                                          <p:attrName>style.visibility</p:attrName>
-                                        </p:attrNameLst>
-                                      </p:cBhvr>
-                                      <p:to>
-                                        <p:strVal val="visible"/>
-                                      </p:to>
-                                    </p:set>
-                                  </p:childTnLst>
-                                </p:cTn>
-                              </p:par>
-                            </p:childTnLst>
-                          </p:cTn>
-                        </p:par>
-                      </p:childTnLst>
-                    </p:cTn>
-                  </p:par>
-                </p:childTnLst>
-              </p:cTn>
-              <p:prevCondLst>
-                <p:cond evt="onPrev" delay="0">
-                  <p:tgtEl>
-                    <p:sldTgt/>
-                  </p:tgtEl>
-                </p:cond>
-              </p:prevCondLst>
-              <p:nextCondLst>
-                <p:cond evt="onNext" delay="0">
-                  <p:tgtEl>
-                    <p:sldTgt/>
-                  </p:tgtEl>
-                </p:cond>
-              </p:nextCondLst>
-            </p:seq>
-          </p:childTnLst>
-        </p:cTn>
-      </p:par>
-    </p:tnLst>
-  </p:timing>
 </p:sld>
 </file>
 
@@ -29669,972 +29495,6 @@
   <p:clrMapOvr>
     <a:masterClrMapping/>
   </p:clrMapOvr>
-  <p:timing>
-    <p:tnLst>
-      <p:par>
-        <p:cTn id="1" dur="indefinite" restart="never" nodeType="tmRoot">
-          <p:childTnLst>
-            <p:seq concurrent="1" nextAc="seek">
-              <p:cTn id="2" dur="indefinite" nodeType="mainSeq">
-                <p:childTnLst>
-                  <p:par>
-                    <p:cTn id="3" fill="hold">
-                      <p:stCondLst>
-                        <p:cond delay="indefinite"/>
-                      </p:stCondLst>
-                      <p:childTnLst>
-                        <p:par>
-                          <p:cTn id="4" fill="hold">
-                            <p:stCondLst>
-                              <p:cond delay="0"/>
-                            </p:stCondLst>
-                            <p:childTnLst>
-                              <p:par>
-                                <p:cTn id="5" presetID="1" presetClass="entr" presetSubtype="0" fill="hold" nodeType="clickEffect">
-                                  <p:stCondLst>
-                                    <p:cond delay="0"/>
-                                  </p:stCondLst>
-                                  <p:childTnLst>
-                                    <p:set>
-                                      <p:cBhvr>
-                                        <p:cTn id="6" dur="1" fill="hold">
-                                          <p:stCondLst>
-                                            <p:cond delay="0"/>
-                                          </p:stCondLst>
-                                        </p:cTn>
-                                        <p:tgtEl>
-                                          <p:spTgt spid="35"/>
-                                        </p:tgtEl>
-                                        <p:attrNameLst>
-                                          <p:attrName>style.visibility</p:attrName>
-                                        </p:attrNameLst>
-                                      </p:cBhvr>
-                                      <p:to>
-                                        <p:strVal val="visible"/>
-                                      </p:to>
-                                    </p:set>
-                                  </p:childTnLst>
-                                </p:cTn>
-                              </p:par>
-                              <p:par>
-                                <p:cTn id="7" presetID="1" presetClass="entr" presetSubtype="0" fill="hold" nodeType="withEffect">
-                                  <p:stCondLst>
-                                    <p:cond delay="0"/>
-                                  </p:stCondLst>
-                                  <p:childTnLst>
-                                    <p:set>
-                                      <p:cBhvr>
-                                        <p:cTn id="8" dur="1" fill="hold">
-                                          <p:stCondLst>
-                                            <p:cond delay="0"/>
-                                          </p:stCondLst>
-                                        </p:cTn>
-                                        <p:tgtEl>
-                                          <p:spTgt spid="34"/>
-                                        </p:tgtEl>
-                                        <p:attrNameLst>
-                                          <p:attrName>style.visibility</p:attrName>
-                                        </p:attrNameLst>
-                                      </p:cBhvr>
-                                      <p:to>
-                                        <p:strVal val="visible"/>
-                                      </p:to>
-                                    </p:set>
-                                  </p:childTnLst>
-                                </p:cTn>
-                              </p:par>
-                            </p:childTnLst>
-                          </p:cTn>
-                        </p:par>
-                      </p:childTnLst>
-                    </p:cTn>
-                  </p:par>
-                  <p:par>
-                    <p:cTn id="9" fill="hold">
-                      <p:stCondLst>
-                        <p:cond delay="indefinite"/>
-                      </p:stCondLst>
-                      <p:childTnLst>
-                        <p:par>
-                          <p:cTn id="10" fill="hold">
-                            <p:stCondLst>
-                              <p:cond delay="0"/>
-                            </p:stCondLst>
-                            <p:childTnLst>
-                              <p:par>
-                                <p:cTn id="11" presetID="1" presetClass="entr" presetSubtype="0" fill="hold" nodeType="clickEffect">
-                                  <p:stCondLst>
-                                    <p:cond delay="0"/>
-                                  </p:stCondLst>
-                                  <p:childTnLst>
-                                    <p:set>
-                                      <p:cBhvr>
-                                        <p:cTn id="12" dur="1" fill="hold">
-                                          <p:stCondLst>
-                                            <p:cond delay="0"/>
-                                          </p:stCondLst>
-                                        </p:cTn>
-                                        <p:tgtEl>
-                                          <p:spTgt spid="86"/>
-                                        </p:tgtEl>
-                                        <p:attrNameLst>
-                                          <p:attrName>style.visibility</p:attrName>
-                                        </p:attrNameLst>
-                                      </p:cBhvr>
-                                      <p:to>
-                                        <p:strVal val="visible"/>
-                                      </p:to>
-                                    </p:set>
-                                  </p:childTnLst>
-                                </p:cTn>
-                              </p:par>
-                              <p:par>
-                                <p:cTn id="13" presetID="1" presetClass="entr" presetSubtype="0" fill="hold" nodeType="withEffect">
-                                  <p:stCondLst>
-                                    <p:cond delay="0"/>
-                                  </p:stCondLst>
-                                  <p:childTnLst>
-                                    <p:set>
-                                      <p:cBhvr>
-                                        <p:cTn id="14" dur="1" fill="hold">
-                                          <p:stCondLst>
-                                            <p:cond delay="0"/>
-                                          </p:stCondLst>
-                                        </p:cTn>
-                                        <p:tgtEl>
-                                          <p:spTgt spid="85"/>
-                                        </p:tgtEl>
-                                        <p:attrNameLst>
-                                          <p:attrName>style.visibility</p:attrName>
-                                        </p:attrNameLst>
-                                      </p:cBhvr>
-                                      <p:to>
-                                        <p:strVal val="visible"/>
-                                      </p:to>
-                                    </p:set>
-                                  </p:childTnLst>
-                                </p:cTn>
-                              </p:par>
-                            </p:childTnLst>
-                          </p:cTn>
-                        </p:par>
-                      </p:childTnLst>
-                    </p:cTn>
-                  </p:par>
-                  <p:par>
-                    <p:cTn id="15" fill="hold">
-                      <p:stCondLst>
-                        <p:cond delay="indefinite"/>
-                      </p:stCondLst>
-                      <p:childTnLst>
-                        <p:par>
-                          <p:cTn id="16" fill="hold">
-                            <p:stCondLst>
-                              <p:cond delay="0"/>
-                            </p:stCondLst>
-                            <p:childTnLst>
-                              <p:par>
-                                <p:cTn id="17" presetID="1" presetClass="entr" presetSubtype="0" fill="hold" nodeType="clickEffect">
-                                  <p:stCondLst>
-                                    <p:cond delay="0"/>
-                                  </p:stCondLst>
-                                  <p:childTnLst>
-                                    <p:set>
-                                      <p:cBhvr>
-                                        <p:cTn id="18" dur="1" fill="hold">
-                                          <p:stCondLst>
-                                            <p:cond delay="0"/>
-                                          </p:stCondLst>
-                                        </p:cTn>
-                                        <p:tgtEl>
-                                          <p:spTgt spid="97"/>
-                                        </p:tgtEl>
-                                        <p:attrNameLst>
-                                          <p:attrName>style.visibility</p:attrName>
-                                        </p:attrNameLst>
-                                      </p:cBhvr>
-                                      <p:to>
-                                        <p:strVal val="visible"/>
-                                      </p:to>
-                                    </p:set>
-                                  </p:childTnLst>
-                                </p:cTn>
-                              </p:par>
-                              <p:par>
-                                <p:cTn id="19" presetID="1" presetClass="entr" presetSubtype="0" fill="hold" nodeType="withEffect">
-                                  <p:stCondLst>
-                                    <p:cond delay="0"/>
-                                  </p:stCondLst>
-                                  <p:childTnLst>
-                                    <p:set>
-                                      <p:cBhvr>
-                                        <p:cTn id="20" dur="1" fill="hold">
-                                          <p:stCondLst>
-                                            <p:cond delay="0"/>
-                                          </p:stCondLst>
-                                        </p:cTn>
-                                        <p:tgtEl>
-                                          <p:spTgt spid="96"/>
-                                        </p:tgtEl>
-                                        <p:attrNameLst>
-                                          <p:attrName>style.visibility</p:attrName>
-                                        </p:attrNameLst>
-                                      </p:cBhvr>
-                                      <p:to>
-                                        <p:strVal val="visible"/>
-                                      </p:to>
-                                    </p:set>
-                                  </p:childTnLst>
-                                </p:cTn>
-                              </p:par>
-                            </p:childTnLst>
-                          </p:cTn>
-                        </p:par>
-                      </p:childTnLst>
-                    </p:cTn>
-                  </p:par>
-                  <p:par>
-                    <p:cTn id="21" fill="hold">
-                      <p:stCondLst>
-                        <p:cond delay="indefinite"/>
-                      </p:stCondLst>
-                      <p:childTnLst>
-                        <p:par>
-                          <p:cTn id="22" fill="hold">
-                            <p:stCondLst>
-                              <p:cond delay="0"/>
-                            </p:stCondLst>
-                            <p:childTnLst>
-                              <p:par>
-                                <p:cTn id="23" presetID="1" presetClass="entr" presetSubtype="0" fill="hold" nodeType="clickEffect">
-                                  <p:stCondLst>
-                                    <p:cond delay="0"/>
-                                  </p:stCondLst>
-                                  <p:childTnLst>
-                                    <p:set>
-                                      <p:cBhvr>
-                                        <p:cTn id="24" dur="1" fill="hold">
-                                          <p:stCondLst>
-                                            <p:cond delay="0"/>
-                                          </p:stCondLst>
-                                        </p:cTn>
-                                        <p:tgtEl>
-                                          <p:spTgt spid="104"/>
-                                        </p:tgtEl>
-                                        <p:attrNameLst>
-                                          <p:attrName>style.visibility</p:attrName>
-                                        </p:attrNameLst>
-                                      </p:cBhvr>
-                                      <p:to>
-                                        <p:strVal val="visible"/>
-                                      </p:to>
-                                    </p:set>
-                                  </p:childTnLst>
-                                </p:cTn>
-                              </p:par>
-                              <p:par>
-                                <p:cTn id="25" presetID="1" presetClass="entr" presetSubtype="0" fill="hold" nodeType="withEffect">
-                                  <p:stCondLst>
-                                    <p:cond delay="0"/>
-                                  </p:stCondLst>
-                                  <p:childTnLst>
-                                    <p:set>
-                                      <p:cBhvr>
-                                        <p:cTn id="26" dur="1" fill="hold">
-                                          <p:stCondLst>
-                                            <p:cond delay="0"/>
-                                          </p:stCondLst>
-                                        </p:cTn>
-                                        <p:tgtEl>
-                                          <p:spTgt spid="103"/>
-                                        </p:tgtEl>
-                                        <p:attrNameLst>
-                                          <p:attrName>style.visibility</p:attrName>
-                                        </p:attrNameLst>
-                                      </p:cBhvr>
-                                      <p:to>
-                                        <p:strVal val="visible"/>
-                                      </p:to>
-                                    </p:set>
-                                  </p:childTnLst>
-                                </p:cTn>
-                              </p:par>
-                            </p:childTnLst>
-                          </p:cTn>
-                        </p:par>
-                      </p:childTnLst>
-                    </p:cTn>
-                  </p:par>
-                  <p:par>
-                    <p:cTn id="27" fill="hold">
-                      <p:stCondLst>
-                        <p:cond delay="indefinite"/>
-                      </p:stCondLst>
-                      <p:childTnLst>
-                        <p:par>
-                          <p:cTn id="28" fill="hold">
-                            <p:stCondLst>
-                              <p:cond delay="0"/>
-                            </p:stCondLst>
-                            <p:childTnLst>
-                              <p:par>
-                                <p:cTn id="29" presetID="1" presetClass="entr" presetSubtype="0" fill="hold" nodeType="clickEffect">
-                                  <p:stCondLst>
-                                    <p:cond delay="0"/>
-                                  </p:stCondLst>
-                                  <p:childTnLst>
-                                    <p:set>
-                                      <p:cBhvr>
-                                        <p:cTn id="30" dur="1" fill="hold">
-                                          <p:stCondLst>
-                                            <p:cond delay="0"/>
-                                          </p:stCondLst>
-                                        </p:cTn>
-                                        <p:tgtEl>
-                                          <p:spTgt spid="107"/>
-                                        </p:tgtEl>
-                                        <p:attrNameLst>
-                                          <p:attrName>style.visibility</p:attrName>
-                                        </p:attrNameLst>
-                                      </p:cBhvr>
-                                      <p:to>
-                                        <p:strVal val="visible"/>
-                                      </p:to>
-                                    </p:set>
-                                  </p:childTnLst>
-                                </p:cTn>
-                              </p:par>
-                              <p:par>
-                                <p:cTn id="31" presetID="1" presetClass="entr" presetSubtype="0" fill="hold" nodeType="withEffect">
-                                  <p:stCondLst>
-                                    <p:cond delay="0"/>
-                                  </p:stCondLst>
-                                  <p:childTnLst>
-                                    <p:set>
-                                      <p:cBhvr>
-                                        <p:cTn id="32" dur="1" fill="hold">
-                                          <p:stCondLst>
-                                            <p:cond delay="0"/>
-                                          </p:stCondLst>
-                                        </p:cTn>
-                                        <p:tgtEl>
-                                          <p:spTgt spid="106"/>
-                                        </p:tgtEl>
-                                        <p:attrNameLst>
-                                          <p:attrName>style.visibility</p:attrName>
-                                        </p:attrNameLst>
-                                      </p:cBhvr>
-                                      <p:to>
-                                        <p:strVal val="visible"/>
-                                      </p:to>
-                                    </p:set>
-                                  </p:childTnLst>
-                                </p:cTn>
-                              </p:par>
-                            </p:childTnLst>
-                          </p:cTn>
-                        </p:par>
-                      </p:childTnLst>
-                    </p:cTn>
-                  </p:par>
-                  <p:par>
-                    <p:cTn id="33" fill="hold">
-                      <p:stCondLst>
-                        <p:cond delay="indefinite"/>
-                      </p:stCondLst>
-                      <p:childTnLst>
-                        <p:par>
-                          <p:cTn id="34" fill="hold">
-                            <p:stCondLst>
-                              <p:cond delay="0"/>
-                            </p:stCondLst>
-                            <p:childTnLst>
-                              <p:par>
-                                <p:cTn id="35" presetID="1" presetClass="entr" presetSubtype="0" fill="hold" nodeType="clickEffect">
-                                  <p:stCondLst>
-                                    <p:cond delay="0"/>
-                                  </p:stCondLst>
-                                  <p:childTnLst>
-                                    <p:set>
-                                      <p:cBhvr>
-                                        <p:cTn id="36" dur="1" fill="hold">
-                                          <p:stCondLst>
-                                            <p:cond delay="0"/>
-                                          </p:stCondLst>
-                                        </p:cTn>
-                                        <p:tgtEl>
-                                          <p:spTgt spid="113"/>
-                                        </p:tgtEl>
-                                        <p:attrNameLst>
-                                          <p:attrName>style.visibility</p:attrName>
-                                        </p:attrNameLst>
-                                      </p:cBhvr>
-                                      <p:to>
-                                        <p:strVal val="visible"/>
-                                      </p:to>
-                                    </p:set>
-                                  </p:childTnLst>
-                                </p:cTn>
-                              </p:par>
-                              <p:par>
-                                <p:cTn id="37" presetID="1" presetClass="entr" presetSubtype="0" fill="hold" nodeType="withEffect">
-                                  <p:stCondLst>
-                                    <p:cond delay="0"/>
-                                  </p:stCondLst>
-                                  <p:childTnLst>
-                                    <p:set>
-                                      <p:cBhvr>
-                                        <p:cTn id="38" dur="1" fill="hold">
-                                          <p:stCondLst>
-                                            <p:cond delay="0"/>
-                                          </p:stCondLst>
-                                        </p:cTn>
-                                        <p:tgtEl>
-                                          <p:spTgt spid="112"/>
-                                        </p:tgtEl>
-                                        <p:attrNameLst>
-                                          <p:attrName>style.visibility</p:attrName>
-                                        </p:attrNameLst>
-                                      </p:cBhvr>
-                                      <p:to>
-                                        <p:strVal val="visible"/>
-                                      </p:to>
-                                    </p:set>
-                                  </p:childTnLst>
-                                </p:cTn>
-                              </p:par>
-                            </p:childTnLst>
-                          </p:cTn>
-                        </p:par>
-                      </p:childTnLst>
-                    </p:cTn>
-                  </p:par>
-                  <p:par>
-                    <p:cTn id="39" fill="hold">
-                      <p:stCondLst>
-                        <p:cond delay="indefinite"/>
-                      </p:stCondLst>
-                      <p:childTnLst>
-                        <p:par>
-                          <p:cTn id="40" fill="hold">
-                            <p:stCondLst>
-                              <p:cond delay="0"/>
-                            </p:stCondLst>
-                            <p:childTnLst>
-                              <p:par>
-                                <p:cTn id="41" presetID="1" presetClass="entr" presetSubtype="0" fill="hold" nodeType="clickEffect">
-                                  <p:stCondLst>
-                                    <p:cond delay="0"/>
-                                  </p:stCondLst>
-                                  <p:childTnLst>
-                                    <p:set>
-                                      <p:cBhvr>
-                                        <p:cTn id="42" dur="1" fill="hold">
-                                          <p:stCondLst>
-                                            <p:cond delay="0"/>
-                                          </p:stCondLst>
-                                        </p:cTn>
-                                        <p:tgtEl>
-                                          <p:spTgt spid="120"/>
-                                        </p:tgtEl>
-                                        <p:attrNameLst>
-                                          <p:attrName>style.visibility</p:attrName>
-                                        </p:attrNameLst>
-                                      </p:cBhvr>
-                                      <p:to>
-                                        <p:strVal val="visible"/>
-                                      </p:to>
-                                    </p:set>
-                                  </p:childTnLst>
-                                </p:cTn>
-                              </p:par>
-                              <p:par>
-                                <p:cTn id="43" presetID="1" presetClass="entr" presetSubtype="0" fill="hold" nodeType="withEffect">
-                                  <p:stCondLst>
-                                    <p:cond delay="0"/>
-                                  </p:stCondLst>
-                                  <p:childTnLst>
-                                    <p:set>
-                                      <p:cBhvr>
-                                        <p:cTn id="44" dur="1" fill="hold">
-                                          <p:stCondLst>
-                                            <p:cond delay="0"/>
-                                          </p:stCondLst>
-                                        </p:cTn>
-                                        <p:tgtEl>
-                                          <p:spTgt spid="119"/>
-                                        </p:tgtEl>
-                                        <p:attrNameLst>
-                                          <p:attrName>style.visibility</p:attrName>
-                                        </p:attrNameLst>
-                                      </p:cBhvr>
-                                      <p:to>
-                                        <p:strVal val="visible"/>
-                                      </p:to>
-                                    </p:set>
-                                  </p:childTnLst>
-                                </p:cTn>
-                              </p:par>
-                            </p:childTnLst>
-                          </p:cTn>
-                        </p:par>
-                      </p:childTnLst>
-                    </p:cTn>
-                  </p:par>
-                  <p:par>
-                    <p:cTn id="45" fill="hold">
-                      <p:stCondLst>
-                        <p:cond delay="indefinite"/>
-                      </p:stCondLst>
-                      <p:childTnLst>
-                        <p:par>
-                          <p:cTn id="46" fill="hold">
-                            <p:stCondLst>
-                              <p:cond delay="0"/>
-                            </p:stCondLst>
-                            <p:childTnLst>
-                              <p:par>
-                                <p:cTn id="47" presetID="1" presetClass="entr" presetSubtype="0" fill="hold" nodeType="clickEffect">
-                                  <p:stCondLst>
-                                    <p:cond delay="0"/>
-                                  </p:stCondLst>
-                                  <p:childTnLst>
-                                    <p:set>
-                                      <p:cBhvr>
-                                        <p:cTn id="48" dur="1" fill="hold">
-                                          <p:stCondLst>
-                                            <p:cond delay="0"/>
-                                          </p:stCondLst>
-                                        </p:cTn>
-                                        <p:tgtEl>
-                                          <p:spTgt spid="133"/>
-                                        </p:tgtEl>
-                                        <p:attrNameLst>
-                                          <p:attrName>style.visibility</p:attrName>
-                                        </p:attrNameLst>
-                                      </p:cBhvr>
-                                      <p:to>
-                                        <p:strVal val="visible"/>
-                                      </p:to>
-                                    </p:set>
-                                  </p:childTnLst>
-                                </p:cTn>
-                              </p:par>
-                              <p:par>
-                                <p:cTn id="49" presetID="1" presetClass="entr" presetSubtype="0" fill="hold" nodeType="withEffect">
-                                  <p:stCondLst>
-                                    <p:cond delay="0"/>
-                                  </p:stCondLst>
-                                  <p:childTnLst>
-                                    <p:set>
-                                      <p:cBhvr>
-                                        <p:cTn id="50" dur="1" fill="hold">
-                                          <p:stCondLst>
-                                            <p:cond delay="0"/>
-                                          </p:stCondLst>
-                                        </p:cTn>
-                                        <p:tgtEl>
-                                          <p:spTgt spid="132"/>
-                                        </p:tgtEl>
-                                        <p:attrNameLst>
-                                          <p:attrName>style.visibility</p:attrName>
-                                        </p:attrNameLst>
-                                      </p:cBhvr>
-                                      <p:to>
-                                        <p:strVal val="visible"/>
-                                      </p:to>
-                                    </p:set>
-                                  </p:childTnLst>
-                                </p:cTn>
-                              </p:par>
-                            </p:childTnLst>
-                          </p:cTn>
-                        </p:par>
-                      </p:childTnLst>
-                    </p:cTn>
-                  </p:par>
-                  <p:par>
-                    <p:cTn id="51" fill="hold">
-                      <p:stCondLst>
-                        <p:cond delay="indefinite"/>
-                      </p:stCondLst>
-                      <p:childTnLst>
-                        <p:par>
-                          <p:cTn id="52" fill="hold">
-                            <p:stCondLst>
-                              <p:cond delay="0"/>
-                            </p:stCondLst>
-                            <p:childTnLst>
-                              <p:par>
-                                <p:cTn id="53" presetID="1" presetClass="entr" presetSubtype="0" fill="hold" nodeType="clickEffect">
-                                  <p:stCondLst>
-                                    <p:cond delay="0"/>
-                                  </p:stCondLst>
-                                  <p:childTnLst>
-                                    <p:set>
-                                      <p:cBhvr>
-                                        <p:cTn id="54" dur="1" fill="hold">
-                                          <p:stCondLst>
-                                            <p:cond delay="0"/>
-                                          </p:stCondLst>
-                                        </p:cTn>
-                                        <p:tgtEl>
-                                          <p:spTgt spid="140"/>
-                                        </p:tgtEl>
-                                        <p:attrNameLst>
-                                          <p:attrName>style.visibility</p:attrName>
-                                        </p:attrNameLst>
-                                      </p:cBhvr>
-                                      <p:to>
-                                        <p:strVal val="visible"/>
-                                      </p:to>
-                                    </p:set>
-                                  </p:childTnLst>
-                                </p:cTn>
-                              </p:par>
-                              <p:par>
-                                <p:cTn id="55" presetID="1" presetClass="entr" presetSubtype="0" fill="hold" nodeType="withEffect">
-                                  <p:stCondLst>
-                                    <p:cond delay="0"/>
-                                  </p:stCondLst>
-                                  <p:childTnLst>
-                                    <p:set>
-                                      <p:cBhvr>
-                                        <p:cTn id="56" dur="1" fill="hold">
-                                          <p:stCondLst>
-                                            <p:cond delay="0"/>
-                                          </p:stCondLst>
-                                        </p:cTn>
-                                        <p:tgtEl>
-                                          <p:spTgt spid="139"/>
-                                        </p:tgtEl>
-                                        <p:attrNameLst>
-                                          <p:attrName>style.visibility</p:attrName>
-                                        </p:attrNameLst>
-                                      </p:cBhvr>
-                                      <p:to>
-                                        <p:strVal val="visible"/>
-                                      </p:to>
-                                    </p:set>
-                                  </p:childTnLst>
-                                </p:cTn>
-                              </p:par>
-                            </p:childTnLst>
-                          </p:cTn>
-                        </p:par>
-                      </p:childTnLst>
-                    </p:cTn>
-                  </p:par>
-                  <p:par>
-                    <p:cTn id="57" fill="hold">
-                      <p:stCondLst>
-                        <p:cond delay="indefinite"/>
-                      </p:stCondLst>
-                      <p:childTnLst>
-                        <p:par>
-                          <p:cTn id="58" fill="hold">
-                            <p:stCondLst>
-                              <p:cond delay="0"/>
-                            </p:stCondLst>
-                            <p:childTnLst>
-                              <p:par>
-                                <p:cTn id="59" presetID="1" presetClass="entr" presetSubtype="0" fill="hold" nodeType="clickEffect">
-                                  <p:stCondLst>
-                                    <p:cond delay="0"/>
-                                  </p:stCondLst>
-                                  <p:childTnLst>
-                                    <p:set>
-                                      <p:cBhvr>
-                                        <p:cTn id="60" dur="1" fill="hold">
-                                          <p:stCondLst>
-                                            <p:cond delay="0"/>
-                                          </p:stCondLst>
-                                        </p:cTn>
-                                        <p:tgtEl>
-                                          <p:spTgt spid="149"/>
-                                        </p:tgtEl>
-                                        <p:attrNameLst>
-                                          <p:attrName>style.visibility</p:attrName>
-                                        </p:attrNameLst>
-                                      </p:cBhvr>
-                                      <p:to>
-                                        <p:strVal val="visible"/>
-                                      </p:to>
-                                    </p:set>
-                                  </p:childTnLst>
-                                </p:cTn>
-                              </p:par>
-                              <p:par>
-                                <p:cTn id="61" presetID="1" presetClass="entr" presetSubtype="0" fill="hold" nodeType="withEffect">
-                                  <p:stCondLst>
-                                    <p:cond delay="0"/>
-                                  </p:stCondLst>
-                                  <p:childTnLst>
-                                    <p:set>
-                                      <p:cBhvr>
-                                        <p:cTn id="62" dur="1" fill="hold">
-                                          <p:stCondLst>
-                                            <p:cond delay="0"/>
-                                          </p:stCondLst>
-                                        </p:cTn>
-                                        <p:tgtEl>
-                                          <p:spTgt spid="148"/>
-                                        </p:tgtEl>
-                                        <p:attrNameLst>
-                                          <p:attrName>style.visibility</p:attrName>
-                                        </p:attrNameLst>
-                                      </p:cBhvr>
-                                      <p:to>
-                                        <p:strVal val="visible"/>
-                                      </p:to>
-                                    </p:set>
-                                  </p:childTnLst>
-                                </p:cTn>
-                              </p:par>
-                            </p:childTnLst>
-                          </p:cTn>
-                        </p:par>
-                      </p:childTnLst>
-                    </p:cTn>
-                  </p:par>
-                  <p:par>
-                    <p:cTn id="63" fill="hold">
-                      <p:stCondLst>
-                        <p:cond delay="indefinite"/>
-                      </p:stCondLst>
-                      <p:childTnLst>
-                        <p:par>
-                          <p:cTn id="64" fill="hold">
-                            <p:stCondLst>
-                              <p:cond delay="0"/>
-                            </p:stCondLst>
-                            <p:childTnLst>
-                              <p:par>
-                                <p:cTn id="65" presetID="1" presetClass="entr" presetSubtype="0" fill="hold" nodeType="clickEffect">
-                                  <p:stCondLst>
-                                    <p:cond delay="0"/>
-                                  </p:stCondLst>
-                                  <p:childTnLst>
-                                    <p:set>
-                                      <p:cBhvr>
-                                        <p:cTn id="66" dur="1" fill="hold">
-                                          <p:stCondLst>
-                                            <p:cond delay="0"/>
-                                          </p:stCondLst>
-                                        </p:cTn>
-                                        <p:tgtEl>
-                                          <p:spTgt spid="154"/>
-                                        </p:tgtEl>
-                                        <p:attrNameLst>
-                                          <p:attrName>style.visibility</p:attrName>
-                                        </p:attrNameLst>
-                                      </p:cBhvr>
-                                      <p:to>
-                                        <p:strVal val="visible"/>
-                                      </p:to>
-                                    </p:set>
-                                  </p:childTnLst>
-                                </p:cTn>
-                              </p:par>
-                              <p:par>
-                                <p:cTn id="67" presetID="1" presetClass="entr" presetSubtype="0" fill="hold" nodeType="withEffect">
-                                  <p:stCondLst>
-                                    <p:cond delay="0"/>
-                                  </p:stCondLst>
-                                  <p:childTnLst>
-                                    <p:set>
-                                      <p:cBhvr>
-                                        <p:cTn id="68" dur="1" fill="hold">
-                                          <p:stCondLst>
-                                            <p:cond delay="0"/>
-                                          </p:stCondLst>
-                                        </p:cTn>
-                                        <p:tgtEl>
-                                          <p:spTgt spid="153"/>
-                                        </p:tgtEl>
-                                        <p:attrNameLst>
-                                          <p:attrName>style.visibility</p:attrName>
-                                        </p:attrNameLst>
-                                      </p:cBhvr>
-                                      <p:to>
-                                        <p:strVal val="visible"/>
-                                      </p:to>
-                                    </p:set>
-                                  </p:childTnLst>
-                                </p:cTn>
-                              </p:par>
-                            </p:childTnLst>
-                          </p:cTn>
-                        </p:par>
-                      </p:childTnLst>
-                    </p:cTn>
-                  </p:par>
-                  <p:par>
-                    <p:cTn id="69" fill="hold">
-                      <p:stCondLst>
-                        <p:cond delay="indefinite"/>
-                      </p:stCondLst>
-                      <p:childTnLst>
-                        <p:par>
-                          <p:cTn id="70" fill="hold">
-                            <p:stCondLst>
-                              <p:cond delay="0"/>
-                            </p:stCondLst>
-                            <p:childTnLst>
-                              <p:par>
-                                <p:cTn id="71" presetID="1" presetClass="entr" presetSubtype="0" fill="hold" nodeType="clickEffect">
-                                  <p:stCondLst>
-                                    <p:cond delay="0"/>
-                                  </p:stCondLst>
-                                  <p:childTnLst>
-                                    <p:set>
-                                      <p:cBhvr>
-                                        <p:cTn id="72" dur="1" fill="hold">
-                                          <p:stCondLst>
-                                            <p:cond delay="0"/>
-                                          </p:stCondLst>
-                                        </p:cTn>
-                                        <p:tgtEl>
-                                          <p:spTgt spid="161"/>
-                                        </p:tgtEl>
-                                        <p:attrNameLst>
-                                          <p:attrName>style.visibility</p:attrName>
-                                        </p:attrNameLst>
-                                      </p:cBhvr>
-                                      <p:to>
-                                        <p:strVal val="visible"/>
-                                      </p:to>
-                                    </p:set>
-                                  </p:childTnLst>
-                                </p:cTn>
-                              </p:par>
-                              <p:par>
-                                <p:cTn id="73" presetID="1" presetClass="entr" presetSubtype="0" fill="hold" nodeType="withEffect">
-                                  <p:stCondLst>
-                                    <p:cond delay="0"/>
-                                  </p:stCondLst>
-                                  <p:childTnLst>
-                                    <p:set>
-                                      <p:cBhvr>
-                                        <p:cTn id="74" dur="1" fill="hold">
-                                          <p:stCondLst>
-                                            <p:cond delay="0"/>
-                                          </p:stCondLst>
-                                        </p:cTn>
-                                        <p:tgtEl>
-                                          <p:spTgt spid="160"/>
-                                        </p:tgtEl>
-                                        <p:attrNameLst>
-                                          <p:attrName>style.visibility</p:attrName>
-                                        </p:attrNameLst>
-                                      </p:cBhvr>
-                                      <p:to>
-                                        <p:strVal val="visible"/>
-                                      </p:to>
-                                    </p:set>
-                                  </p:childTnLst>
-                                </p:cTn>
-                              </p:par>
-                            </p:childTnLst>
-                          </p:cTn>
-                        </p:par>
-                      </p:childTnLst>
-                    </p:cTn>
-                  </p:par>
-                  <p:par>
-                    <p:cTn id="75" fill="hold">
-                      <p:stCondLst>
-                        <p:cond delay="indefinite"/>
-                      </p:stCondLst>
-                      <p:childTnLst>
-                        <p:par>
-                          <p:cTn id="76" fill="hold">
-                            <p:stCondLst>
-                              <p:cond delay="0"/>
-                            </p:stCondLst>
-                            <p:childTnLst>
-                              <p:par>
-                                <p:cTn id="77" presetID="1" presetClass="entr" presetSubtype="0" fill="hold" nodeType="clickEffect">
-                                  <p:stCondLst>
-                                    <p:cond delay="0"/>
-                                  </p:stCondLst>
-                                  <p:childTnLst>
-                                    <p:set>
-                                      <p:cBhvr>
-                                        <p:cTn id="78" dur="1" fill="hold">
-                                          <p:stCondLst>
-                                            <p:cond delay="0"/>
-                                          </p:stCondLst>
-                                        </p:cTn>
-                                        <p:tgtEl>
-                                          <p:spTgt spid="11"/>
-                                        </p:tgtEl>
-                                        <p:attrNameLst>
-                                          <p:attrName>style.visibility</p:attrName>
-                                        </p:attrNameLst>
-                                      </p:cBhvr>
-                                      <p:to>
-                                        <p:strVal val="visible"/>
-                                      </p:to>
-                                    </p:set>
-                                  </p:childTnLst>
-                                </p:cTn>
-                              </p:par>
-                              <p:par>
-                                <p:cTn id="79" presetID="1" presetClass="entr" presetSubtype="0" fill="hold" nodeType="withEffect">
-                                  <p:stCondLst>
-                                    <p:cond delay="0"/>
-                                  </p:stCondLst>
-                                  <p:childTnLst>
-                                    <p:set>
-                                      <p:cBhvr>
-                                        <p:cTn id="80" dur="1" fill="hold">
-                                          <p:stCondLst>
-                                            <p:cond delay="0"/>
-                                          </p:stCondLst>
-                                        </p:cTn>
-                                        <p:tgtEl>
-                                          <p:spTgt spid="10"/>
-                                        </p:tgtEl>
-                                        <p:attrNameLst>
-                                          <p:attrName>style.visibility</p:attrName>
-                                        </p:attrNameLst>
-                                      </p:cBhvr>
-                                      <p:to>
-                                        <p:strVal val="visible"/>
-                                      </p:to>
-                                    </p:set>
-                                  </p:childTnLst>
-                                </p:cTn>
-                              </p:par>
-                            </p:childTnLst>
-                          </p:cTn>
-                        </p:par>
-                      </p:childTnLst>
-                    </p:cTn>
-                  </p:par>
-                </p:childTnLst>
-              </p:cTn>
-              <p:prevCondLst>
-                <p:cond evt="onPrev" delay="0">
-                  <p:tgtEl>
-                    <p:sldTgt/>
-                  </p:tgtEl>
-                </p:cond>
-              </p:prevCondLst>
-              <p:nextCondLst>
-                <p:cond evt="onNext" delay="0">
-                  <p:tgtEl>
-                    <p:sldTgt/>
-                  </p:tgtEl>
-                </p:cond>
-              </p:nextCondLst>
-            </p:seq>
-          </p:childTnLst>
-        </p:cTn>
-      </p:par>
-    </p:tnLst>
-  </p:timing>
 </p:sld>
 </file>
 
@@ -34746,972 +33606,6 @@
   <p:clrMapOvr>
     <a:masterClrMapping/>
   </p:clrMapOvr>
-  <p:timing>
-    <p:tnLst>
-      <p:par>
-        <p:cTn id="1" dur="indefinite" restart="never" nodeType="tmRoot">
-          <p:childTnLst>
-            <p:seq concurrent="1" nextAc="seek">
-              <p:cTn id="2" dur="indefinite" nodeType="mainSeq">
-                <p:childTnLst>
-                  <p:par>
-                    <p:cTn id="3" fill="hold">
-                      <p:stCondLst>
-                        <p:cond delay="indefinite"/>
-                      </p:stCondLst>
-                      <p:childTnLst>
-                        <p:par>
-                          <p:cTn id="4" fill="hold">
-                            <p:stCondLst>
-                              <p:cond delay="0"/>
-                            </p:stCondLst>
-                            <p:childTnLst>
-                              <p:par>
-                                <p:cTn id="5" presetID="1" presetClass="entr" presetSubtype="0" fill="hold" nodeType="clickEffect">
-                                  <p:stCondLst>
-                                    <p:cond delay="0"/>
-                                  </p:stCondLst>
-                                  <p:childTnLst>
-                                    <p:set>
-                                      <p:cBhvr>
-                                        <p:cTn id="6" dur="1" fill="hold">
-                                          <p:stCondLst>
-                                            <p:cond delay="0"/>
-                                          </p:stCondLst>
-                                        </p:cTn>
-                                        <p:tgtEl>
-                                          <p:spTgt spid="35"/>
-                                        </p:tgtEl>
-                                        <p:attrNameLst>
-                                          <p:attrName>style.visibility</p:attrName>
-                                        </p:attrNameLst>
-                                      </p:cBhvr>
-                                      <p:to>
-                                        <p:strVal val="visible"/>
-                                      </p:to>
-                                    </p:set>
-                                  </p:childTnLst>
-                                </p:cTn>
-                              </p:par>
-                              <p:par>
-                                <p:cTn id="7" presetID="1" presetClass="entr" presetSubtype="0" fill="hold" nodeType="withEffect">
-                                  <p:stCondLst>
-                                    <p:cond delay="0"/>
-                                  </p:stCondLst>
-                                  <p:childTnLst>
-                                    <p:set>
-                                      <p:cBhvr>
-                                        <p:cTn id="8" dur="1" fill="hold">
-                                          <p:stCondLst>
-                                            <p:cond delay="0"/>
-                                          </p:stCondLst>
-                                        </p:cTn>
-                                        <p:tgtEl>
-                                          <p:spTgt spid="34"/>
-                                        </p:tgtEl>
-                                        <p:attrNameLst>
-                                          <p:attrName>style.visibility</p:attrName>
-                                        </p:attrNameLst>
-                                      </p:cBhvr>
-                                      <p:to>
-                                        <p:strVal val="visible"/>
-                                      </p:to>
-                                    </p:set>
-                                  </p:childTnLst>
-                                </p:cTn>
-                              </p:par>
-                            </p:childTnLst>
-                          </p:cTn>
-                        </p:par>
-                      </p:childTnLst>
-                    </p:cTn>
-                  </p:par>
-                  <p:par>
-                    <p:cTn id="9" fill="hold">
-                      <p:stCondLst>
-                        <p:cond delay="indefinite"/>
-                      </p:stCondLst>
-                      <p:childTnLst>
-                        <p:par>
-                          <p:cTn id="10" fill="hold">
-                            <p:stCondLst>
-                              <p:cond delay="0"/>
-                            </p:stCondLst>
-                            <p:childTnLst>
-                              <p:par>
-                                <p:cTn id="11" presetID="1" presetClass="entr" presetSubtype="0" fill="hold" nodeType="clickEffect">
-                                  <p:stCondLst>
-                                    <p:cond delay="0"/>
-                                  </p:stCondLst>
-                                  <p:childTnLst>
-                                    <p:set>
-                                      <p:cBhvr>
-                                        <p:cTn id="12" dur="1" fill="hold">
-                                          <p:stCondLst>
-                                            <p:cond delay="0"/>
-                                          </p:stCondLst>
-                                        </p:cTn>
-                                        <p:tgtEl>
-                                          <p:spTgt spid="86"/>
-                                        </p:tgtEl>
-                                        <p:attrNameLst>
-                                          <p:attrName>style.visibility</p:attrName>
-                                        </p:attrNameLst>
-                                      </p:cBhvr>
-                                      <p:to>
-                                        <p:strVal val="visible"/>
-                                      </p:to>
-                                    </p:set>
-                                  </p:childTnLst>
-                                </p:cTn>
-                              </p:par>
-                              <p:par>
-                                <p:cTn id="13" presetID="1" presetClass="entr" presetSubtype="0" fill="hold" nodeType="withEffect">
-                                  <p:stCondLst>
-                                    <p:cond delay="0"/>
-                                  </p:stCondLst>
-                                  <p:childTnLst>
-                                    <p:set>
-                                      <p:cBhvr>
-                                        <p:cTn id="14" dur="1" fill="hold">
-                                          <p:stCondLst>
-                                            <p:cond delay="0"/>
-                                          </p:stCondLst>
-                                        </p:cTn>
-                                        <p:tgtEl>
-                                          <p:spTgt spid="85"/>
-                                        </p:tgtEl>
-                                        <p:attrNameLst>
-                                          <p:attrName>style.visibility</p:attrName>
-                                        </p:attrNameLst>
-                                      </p:cBhvr>
-                                      <p:to>
-                                        <p:strVal val="visible"/>
-                                      </p:to>
-                                    </p:set>
-                                  </p:childTnLst>
-                                </p:cTn>
-                              </p:par>
-                            </p:childTnLst>
-                          </p:cTn>
-                        </p:par>
-                      </p:childTnLst>
-                    </p:cTn>
-                  </p:par>
-                  <p:par>
-                    <p:cTn id="15" fill="hold">
-                      <p:stCondLst>
-                        <p:cond delay="indefinite"/>
-                      </p:stCondLst>
-                      <p:childTnLst>
-                        <p:par>
-                          <p:cTn id="16" fill="hold">
-                            <p:stCondLst>
-                              <p:cond delay="0"/>
-                            </p:stCondLst>
-                            <p:childTnLst>
-                              <p:par>
-                                <p:cTn id="17" presetID="1" presetClass="entr" presetSubtype="0" fill="hold" nodeType="clickEffect">
-                                  <p:stCondLst>
-                                    <p:cond delay="0"/>
-                                  </p:stCondLst>
-                                  <p:childTnLst>
-                                    <p:set>
-                                      <p:cBhvr>
-                                        <p:cTn id="18" dur="1" fill="hold">
-                                          <p:stCondLst>
-                                            <p:cond delay="0"/>
-                                          </p:stCondLst>
-                                        </p:cTn>
-                                        <p:tgtEl>
-                                          <p:spTgt spid="97"/>
-                                        </p:tgtEl>
-                                        <p:attrNameLst>
-                                          <p:attrName>style.visibility</p:attrName>
-                                        </p:attrNameLst>
-                                      </p:cBhvr>
-                                      <p:to>
-                                        <p:strVal val="visible"/>
-                                      </p:to>
-                                    </p:set>
-                                  </p:childTnLst>
-                                </p:cTn>
-                              </p:par>
-                              <p:par>
-                                <p:cTn id="19" presetID="1" presetClass="entr" presetSubtype="0" fill="hold" nodeType="withEffect">
-                                  <p:stCondLst>
-                                    <p:cond delay="0"/>
-                                  </p:stCondLst>
-                                  <p:childTnLst>
-                                    <p:set>
-                                      <p:cBhvr>
-                                        <p:cTn id="20" dur="1" fill="hold">
-                                          <p:stCondLst>
-                                            <p:cond delay="0"/>
-                                          </p:stCondLst>
-                                        </p:cTn>
-                                        <p:tgtEl>
-                                          <p:spTgt spid="96"/>
-                                        </p:tgtEl>
-                                        <p:attrNameLst>
-                                          <p:attrName>style.visibility</p:attrName>
-                                        </p:attrNameLst>
-                                      </p:cBhvr>
-                                      <p:to>
-                                        <p:strVal val="visible"/>
-                                      </p:to>
-                                    </p:set>
-                                  </p:childTnLst>
-                                </p:cTn>
-                              </p:par>
-                            </p:childTnLst>
-                          </p:cTn>
-                        </p:par>
-                      </p:childTnLst>
-                    </p:cTn>
-                  </p:par>
-                  <p:par>
-                    <p:cTn id="21" fill="hold">
-                      <p:stCondLst>
-                        <p:cond delay="indefinite"/>
-                      </p:stCondLst>
-                      <p:childTnLst>
-                        <p:par>
-                          <p:cTn id="22" fill="hold">
-                            <p:stCondLst>
-                              <p:cond delay="0"/>
-                            </p:stCondLst>
-                            <p:childTnLst>
-                              <p:par>
-                                <p:cTn id="23" presetID="1" presetClass="entr" presetSubtype="0" fill="hold" nodeType="clickEffect">
-                                  <p:stCondLst>
-                                    <p:cond delay="0"/>
-                                  </p:stCondLst>
-                                  <p:childTnLst>
-                                    <p:set>
-                                      <p:cBhvr>
-                                        <p:cTn id="24" dur="1" fill="hold">
-                                          <p:stCondLst>
-                                            <p:cond delay="0"/>
-                                          </p:stCondLst>
-                                        </p:cTn>
-                                        <p:tgtEl>
-                                          <p:spTgt spid="104"/>
-                                        </p:tgtEl>
-                                        <p:attrNameLst>
-                                          <p:attrName>style.visibility</p:attrName>
-                                        </p:attrNameLst>
-                                      </p:cBhvr>
-                                      <p:to>
-                                        <p:strVal val="visible"/>
-                                      </p:to>
-                                    </p:set>
-                                  </p:childTnLst>
-                                </p:cTn>
-                              </p:par>
-                              <p:par>
-                                <p:cTn id="25" presetID="1" presetClass="entr" presetSubtype="0" fill="hold" nodeType="withEffect">
-                                  <p:stCondLst>
-                                    <p:cond delay="0"/>
-                                  </p:stCondLst>
-                                  <p:childTnLst>
-                                    <p:set>
-                                      <p:cBhvr>
-                                        <p:cTn id="26" dur="1" fill="hold">
-                                          <p:stCondLst>
-                                            <p:cond delay="0"/>
-                                          </p:stCondLst>
-                                        </p:cTn>
-                                        <p:tgtEl>
-                                          <p:spTgt spid="103"/>
-                                        </p:tgtEl>
-                                        <p:attrNameLst>
-                                          <p:attrName>style.visibility</p:attrName>
-                                        </p:attrNameLst>
-                                      </p:cBhvr>
-                                      <p:to>
-                                        <p:strVal val="visible"/>
-                                      </p:to>
-                                    </p:set>
-                                  </p:childTnLst>
-                                </p:cTn>
-                              </p:par>
-                            </p:childTnLst>
-                          </p:cTn>
-                        </p:par>
-                      </p:childTnLst>
-                    </p:cTn>
-                  </p:par>
-                  <p:par>
-                    <p:cTn id="27" fill="hold">
-                      <p:stCondLst>
-                        <p:cond delay="indefinite"/>
-                      </p:stCondLst>
-                      <p:childTnLst>
-                        <p:par>
-                          <p:cTn id="28" fill="hold">
-                            <p:stCondLst>
-                              <p:cond delay="0"/>
-                            </p:stCondLst>
-                            <p:childTnLst>
-                              <p:par>
-                                <p:cTn id="29" presetID="1" presetClass="entr" presetSubtype="0" fill="hold" nodeType="clickEffect">
-                                  <p:stCondLst>
-                                    <p:cond delay="0"/>
-                                  </p:stCondLst>
-                                  <p:childTnLst>
-                                    <p:set>
-                                      <p:cBhvr>
-                                        <p:cTn id="30" dur="1" fill="hold">
-                                          <p:stCondLst>
-                                            <p:cond delay="0"/>
-                                          </p:stCondLst>
-                                        </p:cTn>
-                                        <p:tgtEl>
-                                          <p:spTgt spid="113"/>
-                                        </p:tgtEl>
-                                        <p:attrNameLst>
-                                          <p:attrName>style.visibility</p:attrName>
-                                        </p:attrNameLst>
-                                      </p:cBhvr>
-                                      <p:to>
-                                        <p:strVal val="visible"/>
-                                      </p:to>
-                                    </p:set>
-                                  </p:childTnLst>
-                                </p:cTn>
-                              </p:par>
-                              <p:par>
-                                <p:cTn id="31" presetID="1" presetClass="entr" presetSubtype="0" fill="hold" nodeType="withEffect">
-                                  <p:stCondLst>
-                                    <p:cond delay="0"/>
-                                  </p:stCondLst>
-                                  <p:childTnLst>
-                                    <p:set>
-                                      <p:cBhvr>
-                                        <p:cTn id="32" dur="1" fill="hold">
-                                          <p:stCondLst>
-                                            <p:cond delay="0"/>
-                                          </p:stCondLst>
-                                        </p:cTn>
-                                        <p:tgtEl>
-                                          <p:spTgt spid="112"/>
-                                        </p:tgtEl>
-                                        <p:attrNameLst>
-                                          <p:attrName>style.visibility</p:attrName>
-                                        </p:attrNameLst>
-                                      </p:cBhvr>
-                                      <p:to>
-                                        <p:strVal val="visible"/>
-                                      </p:to>
-                                    </p:set>
-                                  </p:childTnLst>
-                                </p:cTn>
-                              </p:par>
-                            </p:childTnLst>
-                          </p:cTn>
-                        </p:par>
-                      </p:childTnLst>
-                    </p:cTn>
-                  </p:par>
-                  <p:par>
-                    <p:cTn id="33" fill="hold">
-                      <p:stCondLst>
-                        <p:cond delay="indefinite"/>
-                      </p:stCondLst>
-                      <p:childTnLst>
-                        <p:par>
-                          <p:cTn id="34" fill="hold">
-                            <p:stCondLst>
-                              <p:cond delay="0"/>
-                            </p:stCondLst>
-                            <p:childTnLst>
-                              <p:par>
-                                <p:cTn id="35" presetID="1" presetClass="entr" presetSubtype="0" fill="hold" nodeType="clickEffect">
-                                  <p:stCondLst>
-                                    <p:cond delay="0"/>
-                                  </p:stCondLst>
-                                  <p:childTnLst>
-                                    <p:set>
-                                      <p:cBhvr>
-                                        <p:cTn id="36" dur="1" fill="hold">
-                                          <p:stCondLst>
-                                            <p:cond delay="0"/>
-                                          </p:stCondLst>
-                                        </p:cTn>
-                                        <p:tgtEl>
-                                          <p:spTgt spid="120"/>
-                                        </p:tgtEl>
-                                        <p:attrNameLst>
-                                          <p:attrName>style.visibility</p:attrName>
-                                        </p:attrNameLst>
-                                      </p:cBhvr>
-                                      <p:to>
-                                        <p:strVal val="visible"/>
-                                      </p:to>
-                                    </p:set>
-                                  </p:childTnLst>
-                                </p:cTn>
-                              </p:par>
-                              <p:par>
-                                <p:cTn id="37" presetID="1" presetClass="entr" presetSubtype="0" fill="hold" nodeType="withEffect">
-                                  <p:stCondLst>
-                                    <p:cond delay="0"/>
-                                  </p:stCondLst>
-                                  <p:childTnLst>
-                                    <p:set>
-                                      <p:cBhvr>
-                                        <p:cTn id="38" dur="1" fill="hold">
-                                          <p:stCondLst>
-                                            <p:cond delay="0"/>
-                                          </p:stCondLst>
-                                        </p:cTn>
-                                        <p:tgtEl>
-                                          <p:spTgt spid="119"/>
-                                        </p:tgtEl>
-                                        <p:attrNameLst>
-                                          <p:attrName>style.visibility</p:attrName>
-                                        </p:attrNameLst>
-                                      </p:cBhvr>
-                                      <p:to>
-                                        <p:strVal val="visible"/>
-                                      </p:to>
-                                    </p:set>
-                                  </p:childTnLst>
-                                </p:cTn>
-                              </p:par>
-                            </p:childTnLst>
-                          </p:cTn>
-                        </p:par>
-                      </p:childTnLst>
-                    </p:cTn>
-                  </p:par>
-                  <p:par>
-                    <p:cTn id="39" fill="hold">
-                      <p:stCondLst>
-                        <p:cond delay="indefinite"/>
-                      </p:stCondLst>
-                      <p:childTnLst>
-                        <p:par>
-                          <p:cTn id="40" fill="hold">
-                            <p:stCondLst>
-                              <p:cond delay="0"/>
-                            </p:stCondLst>
-                            <p:childTnLst>
-                              <p:par>
-                                <p:cTn id="41" presetID="1" presetClass="entr" presetSubtype="0" fill="hold" nodeType="clickEffect">
-                                  <p:stCondLst>
-                                    <p:cond delay="0"/>
-                                  </p:stCondLst>
-                                  <p:childTnLst>
-                                    <p:set>
-                                      <p:cBhvr>
-                                        <p:cTn id="42" dur="1" fill="hold">
-                                          <p:stCondLst>
-                                            <p:cond delay="0"/>
-                                          </p:stCondLst>
-                                        </p:cTn>
-                                        <p:tgtEl>
-                                          <p:spTgt spid="6"/>
-                                        </p:tgtEl>
-                                        <p:attrNameLst>
-                                          <p:attrName>style.visibility</p:attrName>
-                                        </p:attrNameLst>
-                                      </p:cBhvr>
-                                      <p:to>
-                                        <p:strVal val="visible"/>
-                                      </p:to>
-                                    </p:set>
-                                  </p:childTnLst>
-                                </p:cTn>
-                              </p:par>
-                              <p:par>
-                                <p:cTn id="43" presetID="1" presetClass="entr" presetSubtype="0" fill="hold" nodeType="withEffect">
-                                  <p:stCondLst>
-                                    <p:cond delay="0"/>
-                                  </p:stCondLst>
-                                  <p:childTnLst>
-                                    <p:set>
-                                      <p:cBhvr>
-                                        <p:cTn id="44" dur="1" fill="hold">
-                                          <p:stCondLst>
-                                            <p:cond delay="0"/>
-                                          </p:stCondLst>
-                                        </p:cTn>
-                                        <p:tgtEl>
-                                          <p:spTgt spid="5"/>
-                                        </p:tgtEl>
-                                        <p:attrNameLst>
-                                          <p:attrName>style.visibility</p:attrName>
-                                        </p:attrNameLst>
-                                      </p:cBhvr>
-                                      <p:to>
-                                        <p:strVal val="visible"/>
-                                      </p:to>
-                                    </p:set>
-                                  </p:childTnLst>
-                                </p:cTn>
-                              </p:par>
-                            </p:childTnLst>
-                          </p:cTn>
-                        </p:par>
-                      </p:childTnLst>
-                    </p:cTn>
-                  </p:par>
-                  <p:par>
-                    <p:cTn id="45" fill="hold">
-                      <p:stCondLst>
-                        <p:cond delay="indefinite"/>
-                      </p:stCondLst>
-                      <p:childTnLst>
-                        <p:par>
-                          <p:cTn id="46" fill="hold">
-                            <p:stCondLst>
-                              <p:cond delay="0"/>
-                            </p:stCondLst>
-                            <p:childTnLst>
-                              <p:par>
-                                <p:cTn id="47" presetID="1" presetClass="entr" presetSubtype="0" fill="hold" nodeType="clickEffect">
-                                  <p:stCondLst>
-                                    <p:cond delay="0"/>
-                                  </p:stCondLst>
-                                  <p:childTnLst>
-                                    <p:set>
-                                      <p:cBhvr>
-                                        <p:cTn id="48" dur="1" fill="hold">
-                                          <p:stCondLst>
-                                            <p:cond delay="0"/>
-                                          </p:stCondLst>
-                                        </p:cTn>
-                                        <p:tgtEl>
-                                          <p:spTgt spid="19"/>
-                                        </p:tgtEl>
-                                        <p:attrNameLst>
-                                          <p:attrName>style.visibility</p:attrName>
-                                        </p:attrNameLst>
-                                      </p:cBhvr>
-                                      <p:to>
-                                        <p:strVal val="visible"/>
-                                      </p:to>
-                                    </p:set>
-                                  </p:childTnLst>
-                                </p:cTn>
-                              </p:par>
-                              <p:par>
-                                <p:cTn id="49" presetID="1" presetClass="entr" presetSubtype="0" fill="hold" nodeType="withEffect">
-                                  <p:stCondLst>
-                                    <p:cond delay="0"/>
-                                  </p:stCondLst>
-                                  <p:childTnLst>
-                                    <p:set>
-                                      <p:cBhvr>
-                                        <p:cTn id="50" dur="1" fill="hold">
-                                          <p:stCondLst>
-                                            <p:cond delay="0"/>
-                                          </p:stCondLst>
-                                        </p:cTn>
-                                        <p:tgtEl>
-                                          <p:spTgt spid="18"/>
-                                        </p:tgtEl>
-                                        <p:attrNameLst>
-                                          <p:attrName>style.visibility</p:attrName>
-                                        </p:attrNameLst>
-                                      </p:cBhvr>
-                                      <p:to>
-                                        <p:strVal val="visible"/>
-                                      </p:to>
-                                    </p:set>
-                                  </p:childTnLst>
-                                </p:cTn>
-                              </p:par>
-                            </p:childTnLst>
-                          </p:cTn>
-                        </p:par>
-                      </p:childTnLst>
-                    </p:cTn>
-                  </p:par>
-                  <p:par>
-                    <p:cTn id="51" fill="hold">
-                      <p:stCondLst>
-                        <p:cond delay="indefinite"/>
-                      </p:stCondLst>
-                      <p:childTnLst>
-                        <p:par>
-                          <p:cTn id="52" fill="hold">
-                            <p:stCondLst>
-                              <p:cond delay="0"/>
-                            </p:stCondLst>
-                            <p:childTnLst>
-                              <p:par>
-                                <p:cTn id="53" presetID="1" presetClass="entr" presetSubtype="0" fill="hold" nodeType="clickEffect">
-                                  <p:stCondLst>
-                                    <p:cond delay="0"/>
-                                  </p:stCondLst>
-                                  <p:childTnLst>
-                                    <p:set>
-                                      <p:cBhvr>
-                                        <p:cTn id="54" dur="1" fill="hold">
-                                          <p:stCondLst>
-                                            <p:cond delay="0"/>
-                                          </p:stCondLst>
-                                        </p:cTn>
-                                        <p:tgtEl>
-                                          <p:spTgt spid="25"/>
-                                        </p:tgtEl>
-                                        <p:attrNameLst>
-                                          <p:attrName>style.visibility</p:attrName>
-                                        </p:attrNameLst>
-                                      </p:cBhvr>
-                                      <p:to>
-                                        <p:strVal val="visible"/>
-                                      </p:to>
-                                    </p:set>
-                                  </p:childTnLst>
-                                </p:cTn>
-                              </p:par>
-                              <p:par>
-                                <p:cTn id="55" presetID="1" presetClass="entr" presetSubtype="0" fill="hold" nodeType="withEffect">
-                                  <p:stCondLst>
-                                    <p:cond delay="0"/>
-                                  </p:stCondLst>
-                                  <p:childTnLst>
-                                    <p:set>
-                                      <p:cBhvr>
-                                        <p:cTn id="56" dur="1" fill="hold">
-                                          <p:stCondLst>
-                                            <p:cond delay="0"/>
-                                          </p:stCondLst>
-                                        </p:cTn>
-                                        <p:tgtEl>
-                                          <p:spTgt spid="24"/>
-                                        </p:tgtEl>
-                                        <p:attrNameLst>
-                                          <p:attrName>style.visibility</p:attrName>
-                                        </p:attrNameLst>
-                                      </p:cBhvr>
-                                      <p:to>
-                                        <p:strVal val="visible"/>
-                                      </p:to>
-                                    </p:set>
-                                  </p:childTnLst>
-                                </p:cTn>
-                              </p:par>
-                            </p:childTnLst>
-                          </p:cTn>
-                        </p:par>
-                      </p:childTnLst>
-                    </p:cTn>
-                  </p:par>
-                  <p:par>
-                    <p:cTn id="57" fill="hold">
-                      <p:stCondLst>
-                        <p:cond delay="indefinite"/>
-                      </p:stCondLst>
-                      <p:childTnLst>
-                        <p:par>
-                          <p:cTn id="58" fill="hold">
-                            <p:stCondLst>
-                              <p:cond delay="0"/>
-                            </p:stCondLst>
-                            <p:childTnLst>
-                              <p:par>
-                                <p:cTn id="59" presetID="1" presetClass="entr" presetSubtype="0" fill="hold" nodeType="clickEffect">
-                                  <p:stCondLst>
-                                    <p:cond delay="0"/>
-                                  </p:stCondLst>
-                                  <p:childTnLst>
-                                    <p:set>
-                                      <p:cBhvr>
-                                        <p:cTn id="60" dur="1" fill="hold">
-                                          <p:stCondLst>
-                                            <p:cond delay="0"/>
-                                          </p:stCondLst>
-                                        </p:cTn>
-                                        <p:tgtEl>
-                                          <p:spTgt spid="37"/>
-                                        </p:tgtEl>
-                                        <p:attrNameLst>
-                                          <p:attrName>style.visibility</p:attrName>
-                                        </p:attrNameLst>
-                                      </p:cBhvr>
-                                      <p:to>
-                                        <p:strVal val="visible"/>
-                                      </p:to>
-                                    </p:set>
-                                  </p:childTnLst>
-                                </p:cTn>
-                              </p:par>
-                              <p:par>
-                                <p:cTn id="61" presetID="1" presetClass="entr" presetSubtype="0" fill="hold" nodeType="withEffect">
-                                  <p:stCondLst>
-                                    <p:cond delay="0"/>
-                                  </p:stCondLst>
-                                  <p:childTnLst>
-                                    <p:set>
-                                      <p:cBhvr>
-                                        <p:cTn id="62" dur="1" fill="hold">
-                                          <p:stCondLst>
-                                            <p:cond delay="0"/>
-                                          </p:stCondLst>
-                                        </p:cTn>
-                                        <p:tgtEl>
-                                          <p:spTgt spid="36"/>
-                                        </p:tgtEl>
-                                        <p:attrNameLst>
-                                          <p:attrName>style.visibility</p:attrName>
-                                        </p:attrNameLst>
-                                      </p:cBhvr>
-                                      <p:to>
-                                        <p:strVal val="visible"/>
-                                      </p:to>
-                                    </p:set>
-                                  </p:childTnLst>
-                                </p:cTn>
-                              </p:par>
-                            </p:childTnLst>
-                          </p:cTn>
-                        </p:par>
-                      </p:childTnLst>
-                    </p:cTn>
-                  </p:par>
-                  <p:par>
-                    <p:cTn id="63" fill="hold">
-                      <p:stCondLst>
-                        <p:cond delay="indefinite"/>
-                      </p:stCondLst>
-                      <p:childTnLst>
-                        <p:par>
-                          <p:cTn id="64" fill="hold">
-                            <p:stCondLst>
-                              <p:cond delay="0"/>
-                            </p:stCondLst>
-                            <p:childTnLst>
-                              <p:par>
-                                <p:cTn id="65" presetID="1" presetClass="entr" presetSubtype="0" fill="hold" nodeType="clickEffect">
-                                  <p:stCondLst>
-                                    <p:cond delay="0"/>
-                                  </p:stCondLst>
-                                  <p:childTnLst>
-                                    <p:set>
-                                      <p:cBhvr>
-                                        <p:cTn id="66" dur="1" fill="hold">
-                                          <p:stCondLst>
-                                            <p:cond delay="0"/>
-                                          </p:stCondLst>
-                                        </p:cTn>
-                                        <p:tgtEl>
-                                          <p:spTgt spid="43"/>
-                                        </p:tgtEl>
-                                        <p:attrNameLst>
-                                          <p:attrName>style.visibility</p:attrName>
-                                        </p:attrNameLst>
-                                      </p:cBhvr>
-                                      <p:to>
-                                        <p:strVal val="visible"/>
-                                      </p:to>
-                                    </p:set>
-                                  </p:childTnLst>
-                                </p:cTn>
-                              </p:par>
-                              <p:par>
-                                <p:cTn id="67" presetID="1" presetClass="entr" presetSubtype="0" fill="hold" nodeType="withEffect">
-                                  <p:stCondLst>
-                                    <p:cond delay="0"/>
-                                  </p:stCondLst>
-                                  <p:childTnLst>
-                                    <p:set>
-                                      <p:cBhvr>
-                                        <p:cTn id="68" dur="1" fill="hold">
-                                          <p:stCondLst>
-                                            <p:cond delay="0"/>
-                                          </p:stCondLst>
-                                        </p:cTn>
-                                        <p:tgtEl>
-                                          <p:spTgt spid="42"/>
-                                        </p:tgtEl>
-                                        <p:attrNameLst>
-                                          <p:attrName>style.visibility</p:attrName>
-                                        </p:attrNameLst>
-                                      </p:cBhvr>
-                                      <p:to>
-                                        <p:strVal val="visible"/>
-                                      </p:to>
-                                    </p:set>
-                                  </p:childTnLst>
-                                </p:cTn>
-                              </p:par>
-                            </p:childTnLst>
-                          </p:cTn>
-                        </p:par>
-                      </p:childTnLst>
-                    </p:cTn>
-                  </p:par>
-                  <p:par>
-                    <p:cTn id="69" fill="hold">
-                      <p:stCondLst>
-                        <p:cond delay="indefinite"/>
-                      </p:stCondLst>
-                      <p:childTnLst>
-                        <p:par>
-                          <p:cTn id="70" fill="hold">
-                            <p:stCondLst>
-                              <p:cond delay="0"/>
-                            </p:stCondLst>
-                            <p:childTnLst>
-                              <p:par>
-                                <p:cTn id="71" presetID="1" presetClass="entr" presetSubtype="0" fill="hold" nodeType="clickEffect">
-                                  <p:stCondLst>
-                                    <p:cond delay="0"/>
-                                  </p:stCondLst>
-                                  <p:childTnLst>
-                                    <p:set>
-                                      <p:cBhvr>
-                                        <p:cTn id="72" dur="1" fill="hold">
-                                          <p:stCondLst>
-                                            <p:cond delay="0"/>
-                                          </p:stCondLst>
-                                        </p:cTn>
-                                        <p:tgtEl>
-                                          <p:spTgt spid="49"/>
-                                        </p:tgtEl>
-                                        <p:attrNameLst>
-                                          <p:attrName>style.visibility</p:attrName>
-                                        </p:attrNameLst>
-                                      </p:cBhvr>
-                                      <p:to>
-                                        <p:strVal val="visible"/>
-                                      </p:to>
-                                    </p:set>
-                                  </p:childTnLst>
-                                </p:cTn>
-                              </p:par>
-                              <p:par>
-                                <p:cTn id="73" presetID="1" presetClass="entr" presetSubtype="0" fill="hold" nodeType="withEffect">
-                                  <p:stCondLst>
-                                    <p:cond delay="0"/>
-                                  </p:stCondLst>
-                                  <p:childTnLst>
-                                    <p:set>
-                                      <p:cBhvr>
-                                        <p:cTn id="74" dur="1" fill="hold">
-                                          <p:stCondLst>
-                                            <p:cond delay="0"/>
-                                          </p:stCondLst>
-                                        </p:cTn>
-                                        <p:tgtEl>
-                                          <p:spTgt spid="47"/>
-                                        </p:tgtEl>
-                                        <p:attrNameLst>
-                                          <p:attrName>style.visibility</p:attrName>
-                                        </p:attrNameLst>
-                                      </p:cBhvr>
-                                      <p:to>
-                                        <p:strVal val="visible"/>
-                                      </p:to>
-                                    </p:set>
-                                  </p:childTnLst>
-                                </p:cTn>
-                              </p:par>
-                            </p:childTnLst>
-                          </p:cTn>
-                        </p:par>
-                      </p:childTnLst>
-                    </p:cTn>
-                  </p:par>
-                  <p:par>
-                    <p:cTn id="75" fill="hold">
-                      <p:stCondLst>
-                        <p:cond delay="indefinite"/>
-                      </p:stCondLst>
-                      <p:childTnLst>
-                        <p:par>
-                          <p:cTn id="76" fill="hold">
-                            <p:stCondLst>
-                              <p:cond delay="0"/>
-                            </p:stCondLst>
-                            <p:childTnLst>
-                              <p:par>
-                                <p:cTn id="77" presetID="1" presetClass="entr" presetSubtype="0" fill="hold" nodeType="clickEffect">
-                                  <p:stCondLst>
-                                    <p:cond delay="0"/>
-                                  </p:stCondLst>
-                                  <p:childTnLst>
-                                    <p:set>
-                                      <p:cBhvr>
-                                        <p:cTn id="78" dur="1" fill="hold">
-                                          <p:stCondLst>
-                                            <p:cond delay="0"/>
-                                          </p:stCondLst>
-                                        </p:cTn>
-                                        <p:tgtEl>
-                                          <p:spTgt spid="57"/>
-                                        </p:tgtEl>
-                                        <p:attrNameLst>
-                                          <p:attrName>style.visibility</p:attrName>
-                                        </p:attrNameLst>
-                                      </p:cBhvr>
-                                      <p:to>
-                                        <p:strVal val="visible"/>
-                                      </p:to>
-                                    </p:set>
-                                  </p:childTnLst>
-                                </p:cTn>
-                              </p:par>
-                              <p:par>
-                                <p:cTn id="79" presetID="1" presetClass="entr" presetSubtype="0" fill="hold" nodeType="withEffect">
-                                  <p:stCondLst>
-                                    <p:cond delay="0"/>
-                                  </p:stCondLst>
-                                  <p:childTnLst>
-                                    <p:set>
-                                      <p:cBhvr>
-                                        <p:cTn id="80" dur="1" fill="hold">
-                                          <p:stCondLst>
-                                            <p:cond delay="0"/>
-                                          </p:stCondLst>
-                                        </p:cTn>
-                                        <p:tgtEl>
-                                          <p:spTgt spid="56"/>
-                                        </p:tgtEl>
-                                        <p:attrNameLst>
-                                          <p:attrName>style.visibility</p:attrName>
-                                        </p:attrNameLst>
-                                      </p:cBhvr>
-                                      <p:to>
-                                        <p:strVal val="visible"/>
-                                      </p:to>
-                                    </p:set>
-                                  </p:childTnLst>
-                                </p:cTn>
-                              </p:par>
-                            </p:childTnLst>
-                          </p:cTn>
-                        </p:par>
-                      </p:childTnLst>
-                    </p:cTn>
-                  </p:par>
-                </p:childTnLst>
-              </p:cTn>
-              <p:prevCondLst>
-                <p:cond evt="onPrev" delay="0">
-                  <p:tgtEl>
-                    <p:sldTgt/>
-                  </p:tgtEl>
-                </p:cond>
-              </p:prevCondLst>
-              <p:nextCondLst>
-                <p:cond evt="onNext" delay="0">
-                  <p:tgtEl>
-                    <p:sldTgt/>
-                  </p:tgtEl>
-                </p:cond>
-              </p:nextCondLst>
-            </p:seq>
-          </p:childTnLst>
-        </p:cTn>
-      </p:par>
-    </p:tnLst>
-  </p:timing>
 </p:sld>
 </file>
 
@@ -38859,828 +36753,6 @@
   <p:clrMapOvr>
     <a:masterClrMapping/>
   </p:clrMapOvr>
-  <p:timing>
-    <p:tnLst>
-      <p:par>
-        <p:cTn id="1" dur="indefinite" restart="never" nodeType="tmRoot">
-          <p:childTnLst>
-            <p:seq concurrent="1" nextAc="seek">
-              <p:cTn id="2" dur="indefinite" nodeType="mainSeq">
-                <p:childTnLst>
-                  <p:par>
-                    <p:cTn id="3" fill="hold">
-                      <p:stCondLst>
-                        <p:cond delay="indefinite"/>
-                      </p:stCondLst>
-                      <p:childTnLst>
-                        <p:par>
-                          <p:cTn id="4" fill="hold">
-                            <p:stCondLst>
-                              <p:cond delay="0"/>
-                            </p:stCondLst>
-                            <p:childTnLst>
-                              <p:par>
-                                <p:cTn id="5" presetID="1" presetClass="entr" presetSubtype="0" fill="hold" nodeType="clickEffect">
-                                  <p:stCondLst>
-                                    <p:cond delay="0"/>
-                                  </p:stCondLst>
-                                  <p:childTnLst>
-                                    <p:set>
-                                      <p:cBhvr>
-                                        <p:cTn id="6" dur="1" fill="hold">
-                                          <p:stCondLst>
-                                            <p:cond delay="0"/>
-                                          </p:stCondLst>
-                                        </p:cTn>
-                                        <p:tgtEl>
-                                          <p:spTgt spid="6"/>
-                                        </p:tgtEl>
-                                        <p:attrNameLst>
-                                          <p:attrName>style.visibility</p:attrName>
-                                        </p:attrNameLst>
-                                      </p:cBhvr>
-                                      <p:to>
-                                        <p:strVal val="visible"/>
-                                      </p:to>
-                                    </p:set>
-                                  </p:childTnLst>
-                                </p:cTn>
-                              </p:par>
-                              <p:par>
-                                <p:cTn id="7" presetID="1" presetClass="entr" presetSubtype="0" fill="hold" nodeType="withEffect">
-                                  <p:stCondLst>
-                                    <p:cond delay="0"/>
-                                  </p:stCondLst>
-                                  <p:childTnLst>
-                                    <p:set>
-                                      <p:cBhvr>
-                                        <p:cTn id="8" dur="1" fill="hold">
-                                          <p:stCondLst>
-                                            <p:cond delay="0"/>
-                                          </p:stCondLst>
-                                        </p:cTn>
-                                        <p:tgtEl>
-                                          <p:spTgt spid="5"/>
-                                        </p:tgtEl>
-                                        <p:attrNameLst>
-                                          <p:attrName>style.visibility</p:attrName>
-                                        </p:attrNameLst>
-                                      </p:cBhvr>
-                                      <p:to>
-                                        <p:strVal val="visible"/>
-                                      </p:to>
-                                    </p:set>
-                                  </p:childTnLst>
-                                </p:cTn>
-                              </p:par>
-                            </p:childTnLst>
-                          </p:cTn>
-                        </p:par>
-                      </p:childTnLst>
-                    </p:cTn>
-                  </p:par>
-                  <p:par>
-                    <p:cTn id="9" fill="hold">
-                      <p:stCondLst>
-                        <p:cond delay="indefinite"/>
-                      </p:stCondLst>
-                      <p:childTnLst>
-                        <p:par>
-                          <p:cTn id="10" fill="hold">
-                            <p:stCondLst>
-                              <p:cond delay="0"/>
-                            </p:stCondLst>
-                            <p:childTnLst>
-                              <p:par>
-                                <p:cTn id="11" presetID="1" presetClass="entr" presetSubtype="0" fill="hold" nodeType="clickEffect">
-                                  <p:stCondLst>
-                                    <p:cond delay="0"/>
-                                  </p:stCondLst>
-                                  <p:childTnLst>
-                                    <p:set>
-                                      <p:cBhvr>
-                                        <p:cTn id="12" dur="1" fill="hold">
-                                          <p:stCondLst>
-                                            <p:cond delay="0"/>
-                                          </p:stCondLst>
-                                        </p:cTn>
-                                        <p:tgtEl>
-                                          <p:spTgt spid="13"/>
-                                        </p:tgtEl>
-                                        <p:attrNameLst>
-                                          <p:attrName>style.visibility</p:attrName>
-                                        </p:attrNameLst>
-                                      </p:cBhvr>
-                                      <p:to>
-                                        <p:strVal val="visible"/>
-                                      </p:to>
-                                    </p:set>
-                                  </p:childTnLst>
-                                </p:cTn>
-                              </p:par>
-                              <p:par>
-                                <p:cTn id="13" presetID="1" presetClass="entr" presetSubtype="0" fill="hold" nodeType="withEffect">
-                                  <p:stCondLst>
-                                    <p:cond delay="0"/>
-                                  </p:stCondLst>
-                                  <p:childTnLst>
-                                    <p:set>
-                                      <p:cBhvr>
-                                        <p:cTn id="14" dur="1" fill="hold">
-                                          <p:stCondLst>
-                                            <p:cond delay="0"/>
-                                          </p:stCondLst>
-                                        </p:cTn>
-                                        <p:tgtEl>
-                                          <p:spTgt spid="12"/>
-                                        </p:tgtEl>
-                                        <p:attrNameLst>
-                                          <p:attrName>style.visibility</p:attrName>
-                                        </p:attrNameLst>
-                                      </p:cBhvr>
-                                      <p:to>
-                                        <p:strVal val="visible"/>
-                                      </p:to>
-                                    </p:set>
-                                  </p:childTnLst>
-                                </p:cTn>
-                              </p:par>
-                            </p:childTnLst>
-                          </p:cTn>
-                        </p:par>
-                      </p:childTnLst>
-                    </p:cTn>
-                  </p:par>
-                  <p:par>
-                    <p:cTn id="15" fill="hold">
-                      <p:stCondLst>
-                        <p:cond delay="indefinite"/>
-                      </p:stCondLst>
-                      <p:childTnLst>
-                        <p:par>
-                          <p:cTn id="16" fill="hold">
-                            <p:stCondLst>
-                              <p:cond delay="0"/>
-                            </p:stCondLst>
-                            <p:childTnLst>
-                              <p:par>
-                                <p:cTn id="17" presetID="1" presetClass="entr" presetSubtype="0" fill="hold" nodeType="clickEffect">
-                                  <p:stCondLst>
-                                    <p:cond delay="0"/>
-                                  </p:stCondLst>
-                                  <p:childTnLst>
-                                    <p:set>
-                                      <p:cBhvr>
-                                        <p:cTn id="18" dur="1" fill="hold">
-                                          <p:stCondLst>
-                                            <p:cond delay="0"/>
-                                          </p:stCondLst>
-                                        </p:cTn>
-                                        <p:tgtEl>
-                                          <p:spTgt spid="20"/>
-                                        </p:tgtEl>
-                                        <p:attrNameLst>
-                                          <p:attrName>style.visibility</p:attrName>
-                                        </p:attrNameLst>
-                                      </p:cBhvr>
-                                      <p:to>
-                                        <p:strVal val="visible"/>
-                                      </p:to>
-                                    </p:set>
-                                  </p:childTnLst>
-                                </p:cTn>
-                              </p:par>
-                              <p:par>
-                                <p:cTn id="19" presetID="1" presetClass="entr" presetSubtype="0" fill="hold" nodeType="withEffect">
-                                  <p:stCondLst>
-                                    <p:cond delay="0"/>
-                                  </p:stCondLst>
-                                  <p:childTnLst>
-                                    <p:set>
-                                      <p:cBhvr>
-                                        <p:cTn id="20" dur="1" fill="hold">
-                                          <p:stCondLst>
-                                            <p:cond delay="0"/>
-                                          </p:stCondLst>
-                                        </p:cTn>
-                                        <p:tgtEl>
-                                          <p:spTgt spid="19"/>
-                                        </p:tgtEl>
-                                        <p:attrNameLst>
-                                          <p:attrName>style.visibility</p:attrName>
-                                        </p:attrNameLst>
-                                      </p:cBhvr>
-                                      <p:to>
-                                        <p:strVal val="visible"/>
-                                      </p:to>
-                                    </p:set>
-                                  </p:childTnLst>
-                                </p:cTn>
-                              </p:par>
-                            </p:childTnLst>
-                          </p:cTn>
-                        </p:par>
-                      </p:childTnLst>
-                    </p:cTn>
-                  </p:par>
-                  <p:par>
-                    <p:cTn id="21" fill="hold">
-                      <p:stCondLst>
-                        <p:cond delay="indefinite"/>
-                      </p:stCondLst>
-                      <p:childTnLst>
-                        <p:par>
-                          <p:cTn id="22" fill="hold">
-                            <p:stCondLst>
-                              <p:cond delay="0"/>
-                            </p:stCondLst>
-                            <p:childTnLst>
-                              <p:par>
-                                <p:cTn id="23" presetID="1" presetClass="entr" presetSubtype="0" fill="hold" nodeType="clickEffect">
-                                  <p:stCondLst>
-                                    <p:cond delay="0"/>
-                                  </p:stCondLst>
-                                  <p:childTnLst>
-                                    <p:set>
-                                      <p:cBhvr>
-                                        <p:cTn id="24" dur="1" fill="hold">
-                                          <p:stCondLst>
-                                            <p:cond delay="0"/>
-                                          </p:stCondLst>
-                                        </p:cTn>
-                                        <p:tgtEl>
-                                          <p:spTgt spid="27"/>
-                                        </p:tgtEl>
-                                        <p:attrNameLst>
-                                          <p:attrName>style.visibility</p:attrName>
-                                        </p:attrNameLst>
-                                      </p:cBhvr>
-                                      <p:to>
-                                        <p:strVal val="visible"/>
-                                      </p:to>
-                                    </p:set>
-                                  </p:childTnLst>
-                                </p:cTn>
-                              </p:par>
-                              <p:par>
-                                <p:cTn id="25" presetID="1" presetClass="entr" presetSubtype="0" fill="hold" nodeType="withEffect">
-                                  <p:stCondLst>
-                                    <p:cond delay="0"/>
-                                  </p:stCondLst>
-                                  <p:childTnLst>
-                                    <p:set>
-                                      <p:cBhvr>
-                                        <p:cTn id="26" dur="1" fill="hold">
-                                          <p:stCondLst>
-                                            <p:cond delay="0"/>
-                                          </p:stCondLst>
-                                        </p:cTn>
-                                        <p:tgtEl>
-                                          <p:spTgt spid="26"/>
-                                        </p:tgtEl>
-                                        <p:attrNameLst>
-                                          <p:attrName>style.visibility</p:attrName>
-                                        </p:attrNameLst>
-                                      </p:cBhvr>
-                                      <p:to>
-                                        <p:strVal val="visible"/>
-                                      </p:to>
-                                    </p:set>
-                                  </p:childTnLst>
-                                </p:cTn>
-                              </p:par>
-                            </p:childTnLst>
-                          </p:cTn>
-                        </p:par>
-                      </p:childTnLst>
-                    </p:cTn>
-                  </p:par>
-                  <p:par>
-                    <p:cTn id="27" fill="hold">
-                      <p:stCondLst>
-                        <p:cond delay="indefinite"/>
-                      </p:stCondLst>
-                      <p:childTnLst>
-                        <p:par>
-                          <p:cTn id="28" fill="hold">
-                            <p:stCondLst>
-                              <p:cond delay="0"/>
-                            </p:stCondLst>
-                            <p:childTnLst>
-                              <p:par>
-                                <p:cTn id="29" presetID="1" presetClass="entr" presetSubtype="0" fill="hold" nodeType="clickEffect">
-                                  <p:stCondLst>
-                                    <p:cond delay="0"/>
-                                  </p:stCondLst>
-                                  <p:childTnLst>
-                                    <p:set>
-                                      <p:cBhvr>
-                                        <p:cTn id="30" dur="1" fill="hold">
-                                          <p:stCondLst>
-                                            <p:cond delay="0"/>
-                                          </p:stCondLst>
-                                        </p:cTn>
-                                        <p:tgtEl>
-                                          <p:spTgt spid="34"/>
-                                        </p:tgtEl>
-                                        <p:attrNameLst>
-                                          <p:attrName>style.visibility</p:attrName>
-                                        </p:attrNameLst>
-                                      </p:cBhvr>
-                                      <p:to>
-                                        <p:strVal val="visible"/>
-                                      </p:to>
-                                    </p:set>
-                                  </p:childTnLst>
-                                </p:cTn>
-                              </p:par>
-                              <p:par>
-                                <p:cTn id="31" presetID="1" presetClass="entr" presetSubtype="0" fill="hold" nodeType="withEffect">
-                                  <p:stCondLst>
-                                    <p:cond delay="0"/>
-                                  </p:stCondLst>
-                                  <p:childTnLst>
-                                    <p:set>
-                                      <p:cBhvr>
-                                        <p:cTn id="32" dur="1" fill="hold">
-                                          <p:stCondLst>
-                                            <p:cond delay="0"/>
-                                          </p:stCondLst>
-                                        </p:cTn>
-                                        <p:tgtEl>
-                                          <p:spTgt spid="33"/>
-                                        </p:tgtEl>
-                                        <p:attrNameLst>
-                                          <p:attrName>style.visibility</p:attrName>
-                                        </p:attrNameLst>
-                                      </p:cBhvr>
-                                      <p:to>
-                                        <p:strVal val="visible"/>
-                                      </p:to>
-                                    </p:set>
-                                  </p:childTnLst>
-                                </p:cTn>
-                              </p:par>
-                            </p:childTnLst>
-                          </p:cTn>
-                        </p:par>
-                      </p:childTnLst>
-                    </p:cTn>
-                  </p:par>
-                  <p:par>
-                    <p:cTn id="33" fill="hold">
-                      <p:stCondLst>
-                        <p:cond delay="indefinite"/>
-                      </p:stCondLst>
-                      <p:childTnLst>
-                        <p:par>
-                          <p:cTn id="34" fill="hold">
-                            <p:stCondLst>
-                              <p:cond delay="0"/>
-                            </p:stCondLst>
-                            <p:childTnLst>
-                              <p:par>
-                                <p:cTn id="35" presetID="1" presetClass="entr" presetSubtype="0" fill="hold" nodeType="clickEffect">
-                                  <p:stCondLst>
-                                    <p:cond delay="0"/>
-                                  </p:stCondLst>
-                                  <p:childTnLst>
-                                    <p:set>
-                                      <p:cBhvr>
-                                        <p:cTn id="36" dur="1" fill="hold">
-                                          <p:stCondLst>
-                                            <p:cond delay="0"/>
-                                          </p:stCondLst>
-                                        </p:cTn>
-                                        <p:tgtEl>
-                                          <p:spTgt spid="54"/>
-                                        </p:tgtEl>
-                                        <p:attrNameLst>
-                                          <p:attrName>style.visibility</p:attrName>
-                                        </p:attrNameLst>
-                                      </p:cBhvr>
-                                      <p:to>
-                                        <p:strVal val="visible"/>
-                                      </p:to>
-                                    </p:set>
-                                  </p:childTnLst>
-                                </p:cTn>
-                              </p:par>
-                              <p:par>
-                                <p:cTn id="37" presetID="1" presetClass="entr" presetSubtype="0" fill="hold" nodeType="withEffect">
-                                  <p:stCondLst>
-                                    <p:cond delay="0"/>
-                                  </p:stCondLst>
-                                  <p:childTnLst>
-                                    <p:set>
-                                      <p:cBhvr>
-                                        <p:cTn id="38" dur="1" fill="hold">
-                                          <p:stCondLst>
-                                            <p:cond delay="0"/>
-                                          </p:stCondLst>
-                                        </p:cTn>
-                                        <p:tgtEl>
-                                          <p:spTgt spid="53"/>
-                                        </p:tgtEl>
-                                        <p:attrNameLst>
-                                          <p:attrName>style.visibility</p:attrName>
-                                        </p:attrNameLst>
-                                      </p:cBhvr>
-                                      <p:to>
-                                        <p:strVal val="visible"/>
-                                      </p:to>
-                                    </p:set>
-                                  </p:childTnLst>
-                                </p:cTn>
-                              </p:par>
-                            </p:childTnLst>
-                          </p:cTn>
-                        </p:par>
-                      </p:childTnLst>
-                    </p:cTn>
-                  </p:par>
-                  <p:par>
-                    <p:cTn id="39" fill="hold">
-                      <p:stCondLst>
-                        <p:cond delay="indefinite"/>
-                      </p:stCondLst>
-                      <p:childTnLst>
-                        <p:par>
-                          <p:cTn id="40" fill="hold">
-                            <p:stCondLst>
-                              <p:cond delay="0"/>
-                            </p:stCondLst>
-                            <p:childTnLst>
-                              <p:par>
-                                <p:cTn id="41" presetID="1" presetClass="entr" presetSubtype="0" fill="hold" nodeType="clickEffect">
-                                  <p:stCondLst>
-                                    <p:cond delay="0"/>
-                                  </p:stCondLst>
-                                  <p:childTnLst>
-                                    <p:set>
-                                      <p:cBhvr>
-                                        <p:cTn id="42" dur="1" fill="hold">
-                                          <p:stCondLst>
-                                            <p:cond delay="0"/>
-                                          </p:stCondLst>
-                                        </p:cTn>
-                                        <p:tgtEl>
-                                          <p:spTgt spid="66"/>
-                                        </p:tgtEl>
-                                        <p:attrNameLst>
-                                          <p:attrName>style.visibility</p:attrName>
-                                        </p:attrNameLst>
-                                      </p:cBhvr>
-                                      <p:to>
-                                        <p:strVal val="visible"/>
-                                      </p:to>
-                                    </p:set>
-                                  </p:childTnLst>
-                                </p:cTn>
-                              </p:par>
-                              <p:par>
-                                <p:cTn id="43" presetID="1" presetClass="entr" presetSubtype="0" fill="hold" nodeType="withEffect">
-                                  <p:stCondLst>
-                                    <p:cond delay="0"/>
-                                  </p:stCondLst>
-                                  <p:childTnLst>
-                                    <p:set>
-                                      <p:cBhvr>
-                                        <p:cTn id="44" dur="1" fill="hold">
-                                          <p:stCondLst>
-                                            <p:cond delay="0"/>
-                                          </p:stCondLst>
-                                        </p:cTn>
-                                        <p:tgtEl>
-                                          <p:spTgt spid="65"/>
-                                        </p:tgtEl>
-                                        <p:attrNameLst>
-                                          <p:attrName>style.visibility</p:attrName>
-                                        </p:attrNameLst>
-                                      </p:cBhvr>
-                                      <p:to>
-                                        <p:strVal val="visible"/>
-                                      </p:to>
-                                    </p:set>
-                                  </p:childTnLst>
-                                </p:cTn>
-                              </p:par>
-                            </p:childTnLst>
-                          </p:cTn>
-                        </p:par>
-                      </p:childTnLst>
-                    </p:cTn>
-                  </p:par>
-                  <p:par>
-                    <p:cTn id="45" fill="hold">
-                      <p:stCondLst>
-                        <p:cond delay="indefinite"/>
-                      </p:stCondLst>
-                      <p:childTnLst>
-                        <p:par>
-                          <p:cTn id="46" fill="hold">
-                            <p:stCondLst>
-                              <p:cond delay="0"/>
-                            </p:stCondLst>
-                            <p:childTnLst>
-                              <p:par>
-                                <p:cTn id="47" presetID="1" presetClass="entr" presetSubtype="0" fill="hold" nodeType="clickEffect">
-                                  <p:stCondLst>
-                                    <p:cond delay="0"/>
-                                  </p:stCondLst>
-                                  <p:childTnLst>
-                                    <p:set>
-                                      <p:cBhvr>
-                                        <p:cTn id="48" dur="1" fill="hold">
-                                          <p:stCondLst>
-                                            <p:cond delay="0"/>
-                                          </p:stCondLst>
-                                        </p:cTn>
-                                        <p:tgtEl>
-                                          <p:spTgt spid="72"/>
-                                        </p:tgtEl>
-                                        <p:attrNameLst>
-                                          <p:attrName>style.visibility</p:attrName>
-                                        </p:attrNameLst>
-                                      </p:cBhvr>
-                                      <p:to>
-                                        <p:strVal val="visible"/>
-                                      </p:to>
-                                    </p:set>
-                                  </p:childTnLst>
-                                </p:cTn>
-                              </p:par>
-                              <p:par>
-                                <p:cTn id="49" presetID="1" presetClass="entr" presetSubtype="0" fill="hold" nodeType="withEffect">
-                                  <p:stCondLst>
-                                    <p:cond delay="0"/>
-                                  </p:stCondLst>
-                                  <p:childTnLst>
-                                    <p:set>
-                                      <p:cBhvr>
-                                        <p:cTn id="50" dur="1" fill="hold">
-                                          <p:stCondLst>
-                                            <p:cond delay="0"/>
-                                          </p:stCondLst>
-                                        </p:cTn>
-                                        <p:tgtEl>
-                                          <p:spTgt spid="71"/>
-                                        </p:tgtEl>
-                                        <p:attrNameLst>
-                                          <p:attrName>style.visibility</p:attrName>
-                                        </p:attrNameLst>
-                                      </p:cBhvr>
-                                      <p:to>
-                                        <p:strVal val="visible"/>
-                                      </p:to>
-                                    </p:set>
-                                  </p:childTnLst>
-                                </p:cTn>
-                              </p:par>
-                            </p:childTnLst>
-                          </p:cTn>
-                        </p:par>
-                      </p:childTnLst>
-                    </p:cTn>
-                  </p:par>
-                  <p:par>
-                    <p:cTn id="51" fill="hold">
-                      <p:stCondLst>
-                        <p:cond delay="indefinite"/>
-                      </p:stCondLst>
-                      <p:childTnLst>
-                        <p:par>
-                          <p:cTn id="52" fill="hold">
-                            <p:stCondLst>
-                              <p:cond delay="0"/>
-                            </p:stCondLst>
-                            <p:childTnLst>
-                              <p:par>
-                                <p:cTn id="53" presetID="1" presetClass="entr" presetSubtype="0" fill="hold" nodeType="clickEffect">
-                                  <p:stCondLst>
-                                    <p:cond delay="0"/>
-                                  </p:stCondLst>
-                                  <p:childTnLst>
-                                    <p:set>
-                                      <p:cBhvr>
-                                        <p:cTn id="54" dur="1" fill="hold">
-                                          <p:stCondLst>
-                                            <p:cond delay="0"/>
-                                          </p:stCondLst>
-                                        </p:cTn>
-                                        <p:tgtEl>
-                                          <p:spTgt spid="79"/>
-                                        </p:tgtEl>
-                                        <p:attrNameLst>
-                                          <p:attrName>style.visibility</p:attrName>
-                                        </p:attrNameLst>
-                                      </p:cBhvr>
-                                      <p:to>
-                                        <p:strVal val="visible"/>
-                                      </p:to>
-                                    </p:set>
-                                  </p:childTnLst>
-                                </p:cTn>
-                              </p:par>
-                              <p:par>
-                                <p:cTn id="55" presetID="1" presetClass="entr" presetSubtype="0" fill="hold" nodeType="withEffect">
-                                  <p:stCondLst>
-                                    <p:cond delay="0"/>
-                                  </p:stCondLst>
-                                  <p:childTnLst>
-                                    <p:set>
-                                      <p:cBhvr>
-                                        <p:cTn id="56" dur="1" fill="hold">
-                                          <p:stCondLst>
-                                            <p:cond delay="0"/>
-                                          </p:stCondLst>
-                                        </p:cTn>
-                                        <p:tgtEl>
-                                          <p:spTgt spid="78"/>
-                                        </p:tgtEl>
-                                        <p:attrNameLst>
-                                          <p:attrName>style.visibility</p:attrName>
-                                        </p:attrNameLst>
-                                      </p:cBhvr>
-                                      <p:to>
-                                        <p:strVal val="visible"/>
-                                      </p:to>
-                                    </p:set>
-                                  </p:childTnLst>
-                                </p:cTn>
-                              </p:par>
-                            </p:childTnLst>
-                          </p:cTn>
-                        </p:par>
-                      </p:childTnLst>
-                    </p:cTn>
-                  </p:par>
-                  <p:par>
-                    <p:cTn id="57" fill="hold">
-                      <p:stCondLst>
-                        <p:cond delay="indefinite"/>
-                      </p:stCondLst>
-                      <p:childTnLst>
-                        <p:par>
-                          <p:cTn id="58" fill="hold">
-                            <p:stCondLst>
-                              <p:cond delay="0"/>
-                            </p:stCondLst>
-                            <p:childTnLst>
-                              <p:par>
-                                <p:cTn id="59" presetID="1" presetClass="entr" presetSubtype="0" fill="hold" nodeType="clickEffect">
-                                  <p:stCondLst>
-                                    <p:cond delay="0"/>
-                                  </p:stCondLst>
-                                  <p:childTnLst>
-                                    <p:set>
-                                      <p:cBhvr>
-                                        <p:cTn id="60" dur="1" fill="hold">
-                                          <p:stCondLst>
-                                            <p:cond delay="0"/>
-                                          </p:stCondLst>
-                                        </p:cTn>
-                                        <p:tgtEl>
-                                          <p:spTgt spid="86"/>
-                                        </p:tgtEl>
-                                        <p:attrNameLst>
-                                          <p:attrName>style.visibility</p:attrName>
-                                        </p:attrNameLst>
-                                      </p:cBhvr>
-                                      <p:to>
-                                        <p:strVal val="visible"/>
-                                      </p:to>
-                                    </p:set>
-                                  </p:childTnLst>
-                                </p:cTn>
-                              </p:par>
-                              <p:par>
-                                <p:cTn id="61" presetID="1" presetClass="entr" presetSubtype="0" fill="hold" nodeType="withEffect">
-                                  <p:stCondLst>
-                                    <p:cond delay="0"/>
-                                  </p:stCondLst>
-                                  <p:childTnLst>
-                                    <p:set>
-                                      <p:cBhvr>
-                                        <p:cTn id="62" dur="1" fill="hold">
-                                          <p:stCondLst>
-                                            <p:cond delay="0"/>
-                                          </p:stCondLst>
-                                        </p:cTn>
-                                        <p:tgtEl>
-                                          <p:spTgt spid="85"/>
-                                        </p:tgtEl>
-                                        <p:attrNameLst>
-                                          <p:attrName>style.visibility</p:attrName>
-                                        </p:attrNameLst>
-                                      </p:cBhvr>
-                                      <p:to>
-                                        <p:strVal val="visible"/>
-                                      </p:to>
-                                    </p:set>
-                                  </p:childTnLst>
-                                </p:cTn>
-                              </p:par>
-                            </p:childTnLst>
-                          </p:cTn>
-                        </p:par>
-                      </p:childTnLst>
-                    </p:cTn>
-                  </p:par>
-                  <p:par>
-                    <p:cTn id="63" fill="hold">
-                      <p:stCondLst>
-                        <p:cond delay="indefinite"/>
-                      </p:stCondLst>
-                      <p:childTnLst>
-                        <p:par>
-                          <p:cTn id="64" fill="hold">
-                            <p:stCondLst>
-                              <p:cond delay="0"/>
-                            </p:stCondLst>
-                            <p:childTnLst>
-                              <p:par>
-                                <p:cTn id="65" presetID="1" presetClass="entr" presetSubtype="0" fill="hold" nodeType="clickEffect">
-                                  <p:stCondLst>
-                                    <p:cond delay="0"/>
-                                  </p:stCondLst>
-                                  <p:childTnLst>
-                                    <p:set>
-                                      <p:cBhvr>
-                                        <p:cTn id="66" dur="1" fill="hold">
-                                          <p:stCondLst>
-                                            <p:cond delay="0"/>
-                                          </p:stCondLst>
-                                        </p:cTn>
-                                        <p:tgtEl>
-                                          <p:spTgt spid="92"/>
-                                        </p:tgtEl>
-                                        <p:attrNameLst>
-                                          <p:attrName>style.visibility</p:attrName>
-                                        </p:attrNameLst>
-                                      </p:cBhvr>
-                                      <p:to>
-                                        <p:strVal val="visible"/>
-                                      </p:to>
-                                    </p:set>
-                                  </p:childTnLst>
-                                </p:cTn>
-                              </p:par>
-                              <p:par>
-                                <p:cTn id="67" presetID="1" presetClass="entr" presetSubtype="0" fill="hold" nodeType="withEffect">
-                                  <p:stCondLst>
-                                    <p:cond delay="0"/>
-                                  </p:stCondLst>
-                                  <p:childTnLst>
-                                    <p:set>
-                                      <p:cBhvr>
-                                        <p:cTn id="68" dur="1" fill="hold">
-                                          <p:stCondLst>
-                                            <p:cond delay="0"/>
-                                          </p:stCondLst>
-                                        </p:cTn>
-                                        <p:tgtEl>
-                                          <p:spTgt spid="91"/>
-                                        </p:tgtEl>
-                                        <p:attrNameLst>
-                                          <p:attrName>style.visibility</p:attrName>
-                                        </p:attrNameLst>
-                                      </p:cBhvr>
-                                      <p:to>
-                                        <p:strVal val="visible"/>
-                                      </p:to>
-                                    </p:set>
-                                  </p:childTnLst>
-                                </p:cTn>
-                              </p:par>
-                            </p:childTnLst>
-                          </p:cTn>
-                        </p:par>
-                      </p:childTnLst>
-                    </p:cTn>
-                  </p:par>
-                </p:childTnLst>
-              </p:cTn>
-              <p:prevCondLst>
-                <p:cond evt="onPrev" delay="0">
-                  <p:tgtEl>
-                    <p:sldTgt/>
-                  </p:tgtEl>
-                </p:cond>
-              </p:prevCondLst>
-              <p:nextCondLst>
-                <p:cond evt="onNext" delay="0">
-                  <p:tgtEl>
-                    <p:sldTgt/>
-                  </p:tgtEl>
-                </p:cond>
-              </p:nextCondLst>
-            </p:seq>
-          </p:childTnLst>
-        </p:cTn>
-      </p:par>
-    </p:tnLst>
-  </p:timing>
 </p:sld>
 </file>
 
@@ -44544,468 +41616,6 @@
   <p:clrMapOvr>
     <a:masterClrMapping/>
   </p:clrMapOvr>
-  <p:timing>
-    <p:tnLst>
-      <p:par>
-        <p:cTn id="1" dur="indefinite" restart="never" nodeType="tmRoot">
-          <p:childTnLst>
-            <p:seq concurrent="1" nextAc="seek">
-              <p:cTn id="2" dur="indefinite" nodeType="mainSeq">
-                <p:childTnLst>
-                  <p:par>
-                    <p:cTn id="3" fill="hold">
-                      <p:stCondLst>
-                        <p:cond delay="indefinite"/>
-                      </p:stCondLst>
-                      <p:childTnLst>
-                        <p:par>
-                          <p:cTn id="4" fill="hold">
-                            <p:stCondLst>
-                              <p:cond delay="0"/>
-                            </p:stCondLst>
-                            <p:childTnLst>
-                              <p:par>
-                                <p:cTn id="5" presetID="1" presetClass="entr" presetSubtype="0" fill="hold" nodeType="clickEffect">
-                                  <p:stCondLst>
-                                    <p:cond delay="0"/>
-                                  </p:stCondLst>
-                                  <p:childTnLst>
-                                    <p:set>
-                                      <p:cBhvr>
-                                        <p:cTn id="6" dur="1" fill="hold">
-                                          <p:stCondLst>
-                                            <p:cond delay="0"/>
-                                          </p:stCondLst>
-                                        </p:cTn>
-                                        <p:tgtEl>
-                                          <p:spTgt spid="1606"/>
-                                        </p:tgtEl>
-                                        <p:attrNameLst>
-                                          <p:attrName>style.visibility</p:attrName>
-                                        </p:attrNameLst>
-                                      </p:cBhvr>
-                                      <p:to>
-                                        <p:strVal val="visible"/>
-                                      </p:to>
-                                    </p:set>
-                                  </p:childTnLst>
-                                </p:cTn>
-                              </p:par>
-                              <p:par>
-                                <p:cTn id="7" presetID="1" presetClass="entr" presetSubtype="0" fill="hold" nodeType="withEffect">
-                                  <p:stCondLst>
-                                    <p:cond delay="0"/>
-                                  </p:stCondLst>
-                                  <p:childTnLst>
-                                    <p:set>
-                                      <p:cBhvr>
-                                        <p:cTn id="8" dur="1" fill="hold">
-                                          <p:stCondLst>
-                                            <p:cond delay="0"/>
-                                          </p:stCondLst>
-                                        </p:cTn>
-                                        <p:tgtEl>
-                                          <p:spTgt spid="1604"/>
-                                        </p:tgtEl>
-                                        <p:attrNameLst>
-                                          <p:attrName>style.visibility</p:attrName>
-                                        </p:attrNameLst>
-                                      </p:cBhvr>
-                                      <p:to>
-                                        <p:strVal val="visible"/>
-                                      </p:to>
-                                    </p:set>
-                                  </p:childTnLst>
-                                </p:cTn>
-                              </p:par>
-                            </p:childTnLst>
-                          </p:cTn>
-                        </p:par>
-                      </p:childTnLst>
-                    </p:cTn>
-                  </p:par>
-                  <p:par>
-                    <p:cTn id="9" fill="hold">
-                      <p:stCondLst>
-                        <p:cond delay="indefinite"/>
-                      </p:stCondLst>
-                      <p:childTnLst>
-                        <p:par>
-                          <p:cTn id="10" fill="hold">
-                            <p:stCondLst>
-                              <p:cond delay="0"/>
-                            </p:stCondLst>
-                            <p:childTnLst>
-                              <p:par>
-                                <p:cTn id="11" presetID="1" presetClass="entr" presetSubtype="0" fill="hold" nodeType="clickEffect">
-                                  <p:stCondLst>
-                                    <p:cond delay="0"/>
-                                  </p:stCondLst>
-                                  <p:childTnLst>
-                                    <p:set>
-                                      <p:cBhvr>
-                                        <p:cTn id="12" dur="1" fill="hold">
-                                          <p:stCondLst>
-                                            <p:cond delay="0"/>
-                                          </p:stCondLst>
-                                        </p:cTn>
-                                        <p:tgtEl>
-                                          <p:spTgt spid="1566"/>
-                                        </p:tgtEl>
-                                        <p:attrNameLst>
-                                          <p:attrName>style.visibility</p:attrName>
-                                        </p:attrNameLst>
-                                      </p:cBhvr>
-                                      <p:to>
-                                        <p:strVal val="visible"/>
-                                      </p:to>
-                                    </p:set>
-                                  </p:childTnLst>
-                                </p:cTn>
-                              </p:par>
-                              <p:par>
-                                <p:cTn id="13" presetID="1" presetClass="entr" presetSubtype="0" fill="hold" nodeType="withEffect">
-                                  <p:stCondLst>
-                                    <p:cond delay="0"/>
-                                  </p:stCondLst>
-                                  <p:childTnLst>
-                                    <p:set>
-                                      <p:cBhvr>
-                                        <p:cTn id="14" dur="1" fill="hold">
-                                          <p:stCondLst>
-                                            <p:cond delay="0"/>
-                                          </p:stCondLst>
-                                        </p:cTn>
-                                        <p:tgtEl>
-                                          <p:spTgt spid="1565"/>
-                                        </p:tgtEl>
-                                        <p:attrNameLst>
-                                          <p:attrName>style.visibility</p:attrName>
-                                        </p:attrNameLst>
-                                      </p:cBhvr>
-                                      <p:to>
-                                        <p:strVal val="visible"/>
-                                      </p:to>
-                                    </p:set>
-                                  </p:childTnLst>
-                                </p:cTn>
-                              </p:par>
-                            </p:childTnLst>
-                          </p:cTn>
-                        </p:par>
-                      </p:childTnLst>
-                    </p:cTn>
-                  </p:par>
-                  <p:par>
-                    <p:cTn id="15" fill="hold">
-                      <p:stCondLst>
-                        <p:cond delay="indefinite"/>
-                      </p:stCondLst>
-                      <p:childTnLst>
-                        <p:par>
-                          <p:cTn id="16" fill="hold">
-                            <p:stCondLst>
-                              <p:cond delay="0"/>
-                            </p:stCondLst>
-                            <p:childTnLst>
-                              <p:par>
-                                <p:cTn id="17" presetID="1" presetClass="entr" presetSubtype="0" fill="hold" nodeType="clickEffect">
-                                  <p:stCondLst>
-                                    <p:cond delay="0"/>
-                                  </p:stCondLst>
-                                  <p:childTnLst>
-                                    <p:set>
-                                      <p:cBhvr>
-                                        <p:cTn id="18" dur="1" fill="hold">
-                                          <p:stCondLst>
-                                            <p:cond delay="0"/>
-                                          </p:stCondLst>
-                                        </p:cTn>
-                                        <p:tgtEl>
-                                          <p:spTgt spid="1580"/>
-                                        </p:tgtEl>
-                                        <p:attrNameLst>
-                                          <p:attrName>style.visibility</p:attrName>
-                                        </p:attrNameLst>
-                                      </p:cBhvr>
-                                      <p:to>
-                                        <p:strVal val="visible"/>
-                                      </p:to>
-                                    </p:set>
-                                  </p:childTnLst>
-                                </p:cTn>
-                              </p:par>
-                              <p:par>
-                                <p:cTn id="19" presetID="1" presetClass="entr" presetSubtype="0" fill="hold" nodeType="withEffect">
-                                  <p:stCondLst>
-                                    <p:cond delay="0"/>
-                                  </p:stCondLst>
-                                  <p:childTnLst>
-                                    <p:set>
-                                      <p:cBhvr>
-                                        <p:cTn id="20" dur="1" fill="hold">
-                                          <p:stCondLst>
-                                            <p:cond delay="0"/>
-                                          </p:stCondLst>
-                                        </p:cTn>
-                                        <p:tgtEl>
-                                          <p:spTgt spid="1579"/>
-                                        </p:tgtEl>
-                                        <p:attrNameLst>
-                                          <p:attrName>style.visibility</p:attrName>
-                                        </p:attrNameLst>
-                                      </p:cBhvr>
-                                      <p:to>
-                                        <p:strVal val="visible"/>
-                                      </p:to>
-                                    </p:set>
-                                  </p:childTnLst>
-                                </p:cTn>
-                              </p:par>
-                            </p:childTnLst>
-                          </p:cTn>
-                        </p:par>
-                      </p:childTnLst>
-                    </p:cTn>
-                  </p:par>
-                  <p:par>
-                    <p:cTn id="21" fill="hold">
-                      <p:stCondLst>
-                        <p:cond delay="indefinite"/>
-                      </p:stCondLst>
-                      <p:childTnLst>
-                        <p:par>
-                          <p:cTn id="22" fill="hold">
-                            <p:stCondLst>
-                              <p:cond delay="0"/>
-                            </p:stCondLst>
-                            <p:childTnLst>
-                              <p:par>
-                                <p:cTn id="23" presetID="1" presetClass="entr" presetSubtype="0" fill="hold" nodeType="clickEffect">
-                                  <p:stCondLst>
-                                    <p:cond delay="0"/>
-                                  </p:stCondLst>
-                                  <p:childTnLst>
-                                    <p:set>
-                                      <p:cBhvr>
-                                        <p:cTn id="24" dur="1" fill="hold">
-                                          <p:stCondLst>
-                                            <p:cond delay="0"/>
-                                          </p:stCondLst>
-                                        </p:cTn>
-                                        <p:tgtEl>
-                                          <p:spTgt spid="1587"/>
-                                        </p:tgtEl>
-                                        <p:attrNameLst>
-                                          <p:attrName>style.visibility</p:attrName>
-                                        </p:attrNameLst>
-                                      </p:cBhvr>
-                                      <p:to>
-                                        <p:strVal val="visible"/>
-                                      </p:to>
-                                    </p:set>
-                                  </p:childTnLst>
-                                </p:cTn>
-                              </p:par>
-                              <p:par>
-                                <p:cTn id="25" presetID="1" presetClass="entr" presetSubtype="0" fill="hold" nodeType="withEffect">
-                                  <p:stCondLst>
-                                    <p:cond delay="0"/>
-                                  </p:stCondLst>
-                                  <p:childTnLst>
-                                    <p:set>
-                                      <p:cBhvr>
-                                        <p:cTn id="26" dur="1" fill="hold">
-                                          <p:stCondLst>
-                                            <p:cond delay="0"/>
-                                          </p:stCondLst>
-                                        </p:cTn>
-                                        <p:tgtEl>
-                                          <p:spTgt spid="1586"/>
-                                        </p:tgtEl>
-                                        <p:attrNameLst>
-                                          <p:attrName>style.visibility</p:attrName>
-                                        </p:attrNameLst>
-                                      </p:cBhvr>
-                                      <p:to>
-                                        <p:strVal val="visible"/>
-                                      </p:to>
-                                    </p:set>
-                                  </p:childTnLst>
-                                </p:cTn>
-                              </p:par>
-                            </p:childTnLst>
-                          </p:cTn>
-                        </p:par>
-                      </p:childTnLst>
-                    </p:cTn>
-                  </p:par>
-                  <p:par>
-                    <p:cTn id="27" fill="hold">
-                      <p:stCondLst>
-                        <p:cond delay="indefinite"/>
-                      </p:stCondLst>
-                      <p:childTnLst>
-                        <p:par>
-                          <p:cTn id="28" fill="hold">
-                            <p:stCondLst>
-                              <p:cond delay="0"/>
-                            </p:stCondLst>
-                            <p:childTnLst>
-                              <p:par>
-                                <p:cTn id="29" presetID="1" presetClass="entr" presetSubtype="0" fill="hold" nodeType="clickEffect">
-                                  <p:stCondLst>
-                                    <p:cond delay="0"/>
-                                  </p:stCondLst>
-                                  <p:childTnLst>
-                                    <p:set>
-                                      <p:cBhvr>
-                                        <p:cTn id="30" dur="1" fill="hold">
-                                          <p:stCondLst>
-                                            <p:cond delay="0"/>
-                                          </p:stCondLst>
-                                        </p:cTn>
-                                        <p:tgtEl>
-                                          <p:spTgt spid="1653"/>
-                                        </p:tgtEl>
-                                        <p:attrNameLst>
-                                          <p:attrName>style.visibility</p:attrName>
-                                        </p:attrNameLst>
-                                      </p:cBhvr>
-                                      <p:to>
-                                        <p:strVal val="visible"/>
-                                      </p:to>
-                                    </p:set>
-                                  </p:childTnLst>
-                                </p:cTn>
-                              </p:par>
-                              <p:par>
-                                <p:cTn id="31" presetID="1" presetClass="entr" presetSubtype="0" fill="hold" nodeType="withEffect">
-                                  <p:stCondLst>
-                                    <p:cond delay="0"/>
-                                  </p:stCondLst>
-                                  <p:childTnLst>
-                                    <p:set>
-                                      <p:cBhvr>
-                                        <p:cTn id="32" dur="1" fill="hold">
-                                          <p:stCondLst>
-                                            <p:cond delay="0"/>
-                                          </p:stCondLst>
-                                        </p:cTn>
-                                        <p:tgtEl>
-                                          <p:spTgt spid="1652"/>
-                                        </p:tgtEl>
-                                        <p:attrNameLst>
-                                          <p:attrName>style.visibility</p:attrName>
-                                        </p:attrNameLst>
-                                      </p:cBhvr>
-                                      <p:to>
-                                        <p:strVal val="visible"/>
-                                      </p:to>
-                                    </p:set>
-                                  </p:childTnLst>
-                                </p:cTn>
-                              </p:par>
-                            </p:childTnLst>
-                          </p:cTn>
-                        </p:par>
-                      </p:childTnLst>
-                    </p:cTn>
-                  </p:par>
-                  <p:par>
-                    <p:cTn id="33" fill="hold">
-                      <p:stCondLst>
-                        <p:cond delay="indefinite"/>
-                      </p:stCondLst>
-                      <p:childTnLst>
-                        <p:par>
-                          <p:cTn id="34" fill="hold">
-                            <p:stCondLst>
-                              <p:cond delay="0"/>
-                            </p:stCondLst>
-                            <p:childTnLst>
-                              <p:par>
-                                <p:cTn id="35" presetID="1" presetClass="entr" presetSubtype="0" fill="hold" nodeType="clickEffect">
-                                  <p:stCondLst>
-                                    <p:cond delay="0"/>
-                                  </p:stCondLst>
-                                  <p:childTnLst>
-                                    <p:set>
-                                      <p:cBhvr>
-                                        <p:cTn id="36" dur="1" fill="hold">
-                                          <p:stCondLst>
-                                            <p:cond delay="0"/>
-                                          </p:stCondLst>
-                                        </p:cTn>
-                                        <p:tgtEl>
-                                          <p:spTgt spid="1680"/>
-                                        </p:tgtEl>
-                                        <p:attrNameLst>
-                                          <p:attrName>style.visibility</p:attrName>
-                                        </p:attrNameLst>
-                                      </p:cBhvr>
-                                      <p:to>
-                                        <p:strVal val="visible"/>
-                                      </p:to>
-                                    </p:set>
-                                  </p:childTnLst>
-                                </p:cTn>
-                              </p:par>
-                              <p:par>
-                                <p:cTn id="37" presetID="1" presetClass="entr" presetSubtype="0" fill="hold" nodeType="withEffect">
-                                  <p:stCondLst>
-                                    <p:cond delay="0"/>
-                                  </p:stCondLst>
-                                  <p:childTnLst>
-                                    <p:set>
-                                      <p:cBhvr>
-                                        <p:cTn id="38" dur="1" fill="hold">
-                                          <p:stCondLst>
-                                            <p:cond delay="0"/>
-                                          </p:stCondLst>
-                                        </p:cTn>
-                                        <p:tgtEl>
-                                          <p:spTgt spid="1679"/>
-                                        </p:tgtEl>
-                                        <p:attrNameLst>
-                                          <p:attrName>style.visibility</p:attrName>
-                                        </p:attrNameLst>
-                                      </p:cBhvr>
-                                      <p:to>
-                                        <p:strVal val="visible"/>
-                                      </p:to>
-                                    </p:set>
-                                  </p:childTnLst>
-                                </p:cTn>
-                              </p:par>
-                            </p:childTnLst>
-                          </p:cTn>
-                        </p:par>
-                      </p:childTnLst>
-                    </p:cTn>
-                  </p:par>
-                </p:childTnLst>
-              </p:cTn>
-              <p:prevCondLst>
-                <p:cond evt="onPrev" delay="0">
-                  <p:tgtEl>
-                    <p:sldTgt/>
-                  </p:tgtEl>
-                </p:cond>
-              </p:prevCondLst>
-              <p:nextCondLst>
-                <p:cond evt="onNext" delay="0">
-                  <p:tgtEl>
-                    <p:sldTgt/>
-                  </p:tgtEl>
-                </p:cond>
-              </p:nextCondLst>
-            </p:seq>
-          </p:childTnLst>
-        </p:cTn>
-      </p:par>
-    </p:tnLst>
-  </p:timing>
 </p:sld>
 </file>
 
